--- a/web/b25/2 Academic Writing and Oral Presentation.pptx
+++ b/web/b25/2 Academic Writing and Oral Presentation.pptx
@@ -7435,15 +7435,7 @@
             </a:r>
             <a:r>
               <a:rPr lang="en-GB" altLang="da-DK" sz="2800" dirty="0" smtClean="0"/>
-              <a:t>write an academic paper and </a:t>
-            </a:r>
-            <a:r>
-              <a:rPr lang="en-GB" altLang="da-DK" sz="2800" dirty="0" smtClean="0"/>
-              <a:t>make an </a:t>
-            </a:r>
-            <a:r>
-              <a:rPr lang="en-GB" altLang="da-DK" sz="2800" dirty="0" smtClean="0"/>
-              <a:t>oral presentation of it?</a:t>
+              <a:t>write an academic paper and make an oral presentation of it?</a:t>
             </a:r>
             <a:endParaRPr lang="en-GB" altLang="da-DK" sz="2800" dirty="0"/>
           </a:p>
@@ -7970,15 +7962,7 @@
             </a:pPr>
             <a:r>
               <a:rPr lang="en-GB" altLang="da-DK" sz="1400" spc="-30" dirty="0" smtClean="0"/>
-              <a:t>Some of the material </a:t>
-            </a:r>
-            <a:r>
-              <a:rPr lang="en-GB" altLang="da-DK" sz="1400" spc="-30" dirty="0" smtClean="0"/>
-              <a:t>in Part 1 of this talk is </a:t>
-            </a:r>
-            <a:r>
-              <a:rPr lang="en-GB" altLang="da-DK" sz="1400" spc="-30" dirty="0" smtClean="0"/>
-              <a:t>inspired by a similar presentation by Henrik Korsgaard and by a note on bachelor projects in physics written by Peter Balling and Hans Kjeldsen</a:t>
+              <a:t>Some of the material in Part 1 of this talk is inspired by a similar presentation by Henrik Korsgaard and by a note on bachelor projects in physics written by Peter Balling and Hans Kjeldsen</a:t>
             </a:r>
             <a:endParaRPr lang="en-GB" altLang="da-DK" sz="1400" spc="-30" dirty="0"/>
           </a:p>
@@ -10755,7 +10739,15 @@
             </a:r>
             <a:r>
               <a:rPr lang="en-US" sz="1600" dirty="0"/>
-              <a:t> whether this is the work of </a:t>
+              <a:t> </a:t>
+            </a:r>
+            <a:r>
+              <a:rPr lang="en-US" sz="1600" dirty="0" smtClean="0"/>
+              <a:t>for the reader whether </a:t>
+            </a:r>
+            <a:r>
+              <a:rPr lang="en-US" sz="1600" dirty="0"/>
+              <a:t>this is the work of </a:t>
             </a:r>
             <a:r>
               <a:rPr lang="en-US" sz="1600" dirty="0" smtClean="0"/>
@@ -11503,7 +11495,7 @@
         <p:spPr>
           <a:xfrm>
             <a:off x="487620" y="1052736"/>
-            <a:ext cx="8476868" cy="4176464"/>
+            <a:ext cx="8476868" cy="5805264"/>
           </a:xfrm>
           <a:noFill/>
         </p:spPr>
@@ -11796,6 +11788,14 @@
             <a:r>
               <a:rPr lang="en-US" sz="1600" dirty="0" err="1" smtClean="0"/>
               <a:t>splelchekc</a:t>
+            </a:r>
+            <a:r>
+              <a:rPr lang="en-US" sz="1600" dirty="0"/>
+              <a:t> (British English ≠ US </a:t>
+            </a:r>
+            <a:r>
+              <a:rPr lang="en-US" sz="1600" dirty="0" smtClean="0"/>
+              <a:t>English)</a:t>
             </a:r>
             <a:endParaRPr lang="en-US" sz="1600" dirty="0" smtClean="0"/>
           </a:p>
@@ -16291,7 +16291,23 @@
                   <a:srgbClr val="0000CC"/>
                 </a:solidFill>
               </a:rPr>
-              <a:t>You will need good figures for your oral presentation</a:t>
+              <a:t>You will </a:t>
+            </a:r>
+            <a:r>
+              <a:rPr lang="en-GB" altLang="da-DK" sz="1200" b="1" dirty="0" smtClean="0">
+                <a:solidFill>
+                  <a:srgbClr val="0000CC"/>
+                </a:solidFill>
+              </a:rPr>
+              <a:t>also need </a:t>
+            </a:r>
+            <a:r>
+              <a:rPr lang="en-GB" altLang="da-DK" sz="1200" b="1" dirty="0" smtClean="0">
+                <a:solidFill>
+                  <a:srgbClr val="0000CC"/>
+                </a:solidFill>
+              </a:rPr>
+              <a:t>good figures for your oral presentation</a:t>
             </a:r>
           </a:p>
           <a:p>
@@ -17226,40 +17242,13 @@
                   <a:srgbClr val="A50021"/>
                 </a:solidFill>
               </a:rPr>
-              <a:t>Writing </a:t>
-            </a:r>
-            <a:r>
-              <a:rPr lang="en-GB" altLang="da-DK" sz="1800" b="1" dirty="0">
-                <a:solidFill>
-                  <a:srgbClr val="A50021"/>
-                </a:solidFill>
-              </a:rPr>
-              <a:t>is a </a:t>
-            </a:r>
-            <a:r>
-              <a:rPr lang="en-GB" altLang="da-DK" sz="1800" b="1" dirty="0" smtClean="0">
-                <a:solidFill>
-                  <a:srgbClr val="008000"/>
-                </a:solidFill>
-              </a:rPr>
-              <a:t>very</a:t>
-            </a:r>
-            <a:r>
-              <a:rPr lang="en-GB" altLang="da-DK" sz="1800" b="1" dirty="0" smtClean="0">
-                <a:solidFill>
-                  <a:srgbClr val="A50021"/>
-                </a:solidFill>
-              </a:rPr>
-              <a:t> </a:t>
-            </a:r>
-            <a:r>
-              <a:rPr lang="en-GB" altLang="da-DK" sz="1800" b="1" dirty="0">
-                <a:solidFill>
-                  <a:srgbClr val="A50021"/>
-                </a:solidFill>
-              </a:rPr>
-              <a:t>difficult craft</a:t>
-            </a:r>
+              <a:t>Writing a good scientific paper is difficult</a:t>
+            </a:r>
+            <a:endParaRPr lang="en-GB" altLang="da-DK" sz="1800" b="1" dirty="0">
+              <a:solidFill>
+                <a:srgbClr val="A50021"/>
+              </a:solidFill>
+            </a:endParaRPr>
           </a:p>
           <a:p>
             <a:pPr marL="728663" lvl="1" indent="-271463">
@@ -17764,11 +17753,7 @@
             </a:r>
             <a:r>
               <a:rPr lang="en-GB" altLang="da-DK" sz="2800" dirty="0" smtClean="0"/>
-              <a:t>write an academic </a:t>
-            </a:r>
-            <a:r>
-              <a:rPr lang="en-GB" altLang="da-DK" sz="2800" dirty="0" smtClean="0"/>
-              <a:t>paper</a:t>
+              <a:t>write an academic paper</a:t>
             </a:r>
             <a:endParaRPr lang="en-GB" altLang="da-DK" sz="2800" dirty="0"/>
           </a:p>
@@ -17881,19 +17866,19 @@
               <a:defRPr sz="3072"/>
             </a:pPr>
             <a:r>
-              <a:rPr lang="en-GB" altLang="da-DK" sz="1600" dirty="0"/>
+              <a:rPr lang="en-GB" altLang="da-DK" sz="1600" b="1" dirty="0"/>
               <a:t>In </a:t>
             </a:r>
             <a:r>
-              <a:rPr lang="en-GB" altLang="da-DK" sz="1600" dirty="0" smtClean="0"/>
+              <a:rPr lang="en-GB" altLang="da-DK" sz="1600" b="1" dirty="0" smtClean="0"/>
               <a:t>one round, </a:t>
             </a:r>
             <a:r>
-              <a:rPr lang="en-GB" altLang="da-DK" sz="1600" dirty="0"/>
+              <a:rPr lang="en-GB" altLang="da-DK" sz="1600" b="1" dirty="0"/>
               <a:t>you focus primarily on </a:t>
             </a:r>
             <a:r>
-              <a:rPr lang="en-GB" altLang="da-DK" sz="1600" dirty="0" smtClean="0"/>
+              <a:rPr lang="en-GB" altLang="da-DK" sz="1600" b="1" dirty="0" smtClean="0"/>
               <a:t>grammatical errors</a:t>
             </a:r>
           </a:p>
@@ -17905,8 +17890,16 @@
               <a:defRPr sz="3072"/>
             </a:pPr>
             <a:r>
-              <a:rPr lang="en-GB" altLang="da-DK" sz="1600" dirty="0" smtClean="0"/>
-              <a:t>In one round, you focus om simplification of the text (short sentences etc.)</a:t>
+              <a:rPr lang="en-GB" altLang="da-DK" sz="1600" b="1" dirty="0" smtClean="0"/>
+              <a:t>In </a:t>
+            </a:r>
+            <a:r>
+              <a:rPr lang="en-GB" altLang="da-DK" sz="1600" b="1" dirty="0" smtClean="0"/>
+              <a:t>one </a:t>
+            </a:r>
+            <a:r>
+              <a:rPr lang="en-GB" altLang="da-DK" sz="1600" b="1" dirty="0" smtClean="0"/>
+              <a:t>round, you focus om simplification of the text (short sentences etc.)</a:t>
             </a:r>
           </a:p>
           <a:p>
@@ -17917,10 +17910,9 @@
               <a:defRPr sz="3072"/>
             </a:pPr>
             <a:r>
-              <a:rPr lang="en-GB" altLang="da-DK" sz="1600" dirty="0" smtClean="0"/>
-              <a:t>In one round, you focus on punctuation (commas and full stops)</a:t>
-            </a:r>
-            <a:endParaRPr lang="en-GB" altLang="da-DK" sz="1600" dirty="0"/>
+              <a:rPr lang="en-GB" altLang="da-DK" sz="1600" b="1" dirty="0"/>
+              <a:t>In one round, you check that you use the terminology, you have introduced</a:t>
+            </a:r>
           </a:p>
           <a:p>
             <a:pPr marL="728663" lvl="1" indent="-271463" defTabSz="560831">
@@ -17930,8 +17922,8 @@
               <a:defRPr sz="3072"/>
             </a:pPr>
             <a:r>
-              <a:rPr lang="en-GB" altLang="da-DK" sz="1600" dirty="0" smtClean="0"/>
-              <a:t>In one round, you check all your tables and figures</a:t>
+              <a:rPr lang="en-GB" altLang="da-DK" sz="1600" b="1" dirty="0"/>
+              <a:t>In one round, you check all your proofs</a:t>
             </a:r>
           </a:p>
           <a:p>
@@ -17954,9 +17946,50 @@
               <a:defRPr sz="3072"/>
             </a:pPr>
             <a:r>
+              <a:rPr lang="en-GB" altLang="da-DK" sz="1600" dirty="0"/>
+              <a:t>In one round, you check all your tables and figures</a:t>
+            </a:r>
+          </a:p>
+          <a:p>
+            <a:pPr marL="728663" lvl="1" indent="-271463" defTabSz="560831">
+              <a:spcBef>
+                <a:spcPts val="300"/>
+              </a:spcBef>
+              <a:defRPr sz="3072"/>
+            </a:pPr>
+            <a:r>
+              <a:rPr lang="en-GB" altLang="da-DK" sz="1600" dirty="0"/>
+              <a:t>In one round, you check that all section headings are consistent</a:t>
+            </a:r>
+          </a:p>
+          <a:p>
+            <a:pPr marL="728663" lvl="1" indent="-271463" defTabSz="560831">
+              <a:spcBef>
+                <a:spcPts val="300"/>
+              </a:spcBef>
+              <a:defRPr sz="3072"/>
+            </a:pPr>
+            <a:r>
+              <a:rPr lang="en-GB" altLang="da-DK" sz="1600" dirty="0"/>
+              <a:t>In one round, you check all your references</a:t>
+            </a:r>
+          </a:p>
+          <a:p>
+            <a:pPr marL="728663" lvl="1" indent="-271463" defTabSz="560831">
+              <a:spcBef>
+                <a:spcPts val="300"/>
+              </a:spcBef>
+              <a:defRPr sz="3072"/>
+            </a:pPr>
+            <a:r>
               <a:rPr lang="en-GB" altLang="da-DK" sz="1600" dirty="0" smtClean="0"/>
-              <a:t>In one round, you check that all section headings are consistent</a:t>
-            </a:r>
+              <a:t>In one </a:t>
+            </a:r>
+            <a:r>
+              <a:rPr lang="en-GB" altLang="da-DK" sz="1600" dirty="0" smtClean="0"/>
+              <a:t>round, you focus on punctuation (commas and full stops)</a:t>
+            </a:r>
+            <a:endParaRPr lang="en-GB" altLang="da-DK" sz="1600" dirty="0"/>
           </a:p>
           <a:p>
             <a:pPr marL="728663" lvl="1" indent="-271463" defTabSz="560831">
@@ -17967,44 +18000,9 @@
             </a:pPr>
             <a:r>
               <a:rPr lang="en-GB" altLang="da-DK" sz="1600" dirty="0" smtClean="0"/>
-              <a:t>In one round, you check all your references</a:t>
-            </a:r>
-          </a:p>
-          <a:p>
-            <a:pPr marL="728663" lvl="1" indent="-271463" defTabSz="560831">
-              <a:spcBef>
-                <a:spcPts val="300"/>
-              </a:spcBef>
-              <a:defRPr sz="3072"/>
-            </a:pPr>
-            <a:r>
-              <a:rPr lang="en-GB" altLang="da-DK" sz="1600" dirty="0" smtClean="0"/>
-              <a:t>In one round, you check all your proofs</a:t>
-            </a:r>
-          </a:p>
-          <a:p>
-            <a:pPr marL="728663" lvl="1" indent="-271463" defTabSz="560831">
-              <a:spcBef>
-                <a:spcPts val="300"/>
-              </a:spcBef>
-              <a:defRPr sz="3072"/>
-            </a:pPr>
-            <a:r>
-              <a:rPr lang="en-GB" altLang="da-DK" sz="1600" dirty="0" smtClean="0"/>
-              <a:t>In one round, you check that you use the terminology, you have introduced</a:t>
-            </a:r>
-          </a:p>
-          <a:p>
-            <a:pPr marL="728663" lvl="1" indent="-271463" defTabSz="560831">
-              <a:spcBef>
-                <a:spcPts val="300"/>
-              </a:spcBef>
-              <a:defRPr sz="3072"/>
-            </a:pPr>
-            <a:r>
-              <a:rPr lang="en-GB" altLang="da-DK" sz="1600" dirty="0" smtClean="0"/>
-              <a:t>And so on</a:t>
-            </a:r>
+              <a:t>………</a:t>
+            </a:r>
+            <a:endParaRPr lang="en-GB" altLang="da-DK" sz="1600" dirty="0" smtClean="0"/>
           </a:p>
           <a:p>
             <a:pPr marL="271463" lvl="1" indent="-271463" defTabSz="560831">
@@ -18364,6 +18362,201 @@
           </a:p>
         </p:txBody>
       </p:sp>
+      <p:sp>
+        <p:nvSpPr>
+          <p:cNvPr id="5" name="Rectangle 4"/>
+          <p:cNvSpPr/>
+          <p:nvPr/>
+        </p:nvSpPr>
+        <p:spPr>
+          <a:xfrm rot="21165640">
+            <a:off x="2802601" y="5383481"/>
+            <a:ext cx="2489509" cy="646331"/>
+          </a:xfrm>
+          <a:prstGeom prst="rect">
+            <a:avLst/>
+          </a:prstGeom>
+          <a:noFill/>
+        </p:spPr>
+        <p:txBody>
+          <a:bodyPr>
+            <a:spAutoFit/>
+            <a:scene3d>
+              <a:camera prst="orthographicFront"/>
+              <a:lightRig rig="flat" dir="tl">
+                <a:rot lat="0" lon="0" rev="6600000"/>
+              </a:lightRig>
+            </a:scene3d>
+            <a:sp3d extrusionH="25400" contourW="8890">
+              <a:bevelT w="38100" h="31750"/>
+              <a:contourClr>
+                <a:schemeClr val="accent2">
+                  <a:shade val="75000"/>
+                </a:schemeClr>
+              </a:contourClr>
+            </a:sp3d>
+          </a:bodyPr>
+          <a:lstStyle>
+            <a:defPPr>
+              <a:defRPr lang="da-DK"/>
+            </a:defPPr>
+            <a:lvl1pPr algn="l" rtl="0" fontAlgn="base">
+              <a:spcBef>
+                <a:spcPct val="0"/>
+              </a:spcBef>
+              <a:spcAft>
+                <a:spcPct val="0"/>
+              </a:spcAft>
+              <a:defRPr sz="2000" kern="1200">
+                <a:solidFill>
+                  <a:srgbClr val="A50021"/>
+                </a:solidFill>
+                <a:latin typeface="Arial" charset="0"/>
+                <a:ea typeface="ＭＳ Ｐゴシック" pitchFamily="34" charset="-128"/>
+                <a:cs typeface="+mn-cs"/>
+              </a:defRPr>
+            </a:lvl1pPr>
+            <a:lvl2pPr marL="457200" algn="l" rtl="0" fontAlgn="base">
+              <a:spcBef>
+                <a:spcPct val="0"/>
+              </a:spcBef>
+              <a:spcAft>
+                <a:spcPct val="0"/>
+              </a:spcAft>
+              <a:defRPr sz="2000" kern="1200">
+                <a:solidFill>
+                  <a:srgbClr val="A50021"/>
+                </a:solidFill>
+                <a:latin typeface="Arial" charset="0"/>
+                <a:ea typeface="ＭＳ Ｐゴシック" pitchFamily="34" charset="-128"/>
+                <a:cs typeface="+mn-cs"/>
+              </a:defRPr>
+            </a:lvl2pPr>
+            <a:lvl3pPr marL="914400" algn="l" rtl="0" fontAlgn="base">
+              <a:spcBef>
+                <a:spcPct val="0"/>
+              </a:spcBef>
+              <a:spcAft>
+                <a:spcPct val="0"/>
+              </a:spcAft>
+              <a:defRPr sz="2000" kern="1200">
+                <a:solidFill>
+                  <a:srgbClr val="A50021"/>
+                </a:solidFill>
+                <a:latin typeface="Arial" charset="0"/>
+                <a:ea typeface="ＭＳ Ｐゴシック" pitchFamily="34" charset="-128"/>
+                <a:cs typeface="+mn-cs"/>
+              </a:defRPr>
+            </a:lvl3pPr>
+            <a:lvl4pPr marL="1371600" algn="l" rtl="0" fontAlgn="base">
+              <a:spcBef>
+                <a:spcPct val="0"/>
+              </a:spcBef>
+              <a:spcAft>
+                <a:spcPct val="0"/>
+              </a:spcAft>
+              <a:defRPr sz="2000" kern="1200">
+                <a:solidFill>
+                  <a:srgbClr val="A50021"/>
+                </a:solidFill>
+                <a:latin typeface="Arial" charset="0"/>
+                <a:ea typeface="ＭＳ Ｐゴシック" pitchFamily="34" charset="-128"/>
+                <a:cs typeface="+mn-cs"/>
+              </a:defRPr>
+            </a:lvl4pPr>
+            <a:lvl5pPr marL="1828800" algn="l" rtl="0" fontAlgn="base">
+              <a:spcBef>
+                <a:spcPct val="0"/>
+              </a:spcBef>
+              <a:spcAft>
+                <a:spcPct val="0"/>
+              </a:spcAft>
+              <a:defRPr sz="2000" kern="1200">
+                <a:solidFill>
+                  <a:srgbClr val="A50021"/>
+                </a:solidFill>
+                <a:latin typeface="Arial" charset="0"/>
+                <a:ea typeface="ＭＳ Ｐゴシック" pitchFamily="34" charset="-128"/>
+                <a:cs typeface="+mn-cs"/>
+              </a:defRPr>
+            </a:lvl5pPr>
+            <a:lvl6pPr marL="2286000" algn="l" defTabSz="914400" rtl="0" eaLnBrk="1" latinLnBrk="0" hangingPunct="1">
+              <a:defRPr sz="2000" kern="1200">
+                <a:solidFill>
+                  <a:srgbClr val="A50021"/>
+                </a:solidFill>
+                <a:latin typeface="Arial" charset="0"/>
+                <a:ea typeface="ＭＳ Ｐゴシック" pitchFamily="34" charset="-128"/>
+                <a:cs typeface="+mn-cs"/>
+              </a:defRPr>
+            </a:lvl6pPr>
+            <a:lvl7pPr marL="2743200" algn="l" defTabSz="914400" rtl="0" eaLnBrk="1" latinLnBrk="0" hangingPunct="1">
+              <a:defRPr sz="2000" kern="1200">
+                <a:solidFill>
+                  <a:srgbClr val="A50021"/>
+                </a:solidFill>
+                <a:latin typeface="Arial" charset="0"/>
+                <a:ea typeface="ＭＳ Ｐゴシック" pitchFamily="34" charset="-128"/>
+                <a:cs typeface="+mn-cs"/>
+              </a:defRPr>
+            </a:lvl7pPr>
+            <a:lvl8pPr marL="3200400" algn="l" defTabSz="914400" rtl="0" eaLnBrk="1" latinLnBrk="0" hangingPunct="1">
+              <a:defRPr sz="2000" kern="1200">
+                <a:solidFill>
+                  <a:srgbClr val="A50021"/>
+                </a:solidFill>
+                <a:latin typeface="Arial" charset="0"/>
+                <a:ea typeface="ＭＳ Ｐゴシック" pitchFamily="34" charset="-128"/>
+                <a:cs typeface="+mn-cs"/>
+              </a:defRPr>
+            </a:lvl8pPr>
+            <a:lvl9pPr marL="3657600" algn="l" defTabSz="914400" rtl="0" eaLnBrk="1" latinLnBrk="0" hangingPunct="1">
+              <a:defRPr sz="2000" kern="1200">
+                <a:solidFill>
+                  <a:srgbClr val="A50021"/>
+                </a:solidFill>
+                <a:latin typeface="Arial" charset="0"/>
+                <a:ea typeface="ＭＳ Ｐゴシック" pitchFamily="34" charset="-128"/>
+                <a:cs typeface="+mn-cs"/>
+              </a:defRPr>
+            </a:lvl9pPr>
+          </a:lstStyle>
+          <a:p>
+            <a:pPr algn="ctr">
+              <a:defRPr/>
+            </a:pPr>
+            <a:r>
+              <a:rPr lang="en-US" sz="3600" b="1" dirty="0" smtClean="0">
+                <a:ln w="11430"/>
+                <a:solidFill>
+                  <a:srgbClr val="CC0000"/>
+                </a:solidFill>
+                <a:effectLst>
+                  <a:outerShdw blurRad="50800" dist="39000" dir="5460000" algn="tl">
+                    <a:srgbClr val="000000">
+                      <a:alpha val="38000"/>
+                    </a:srgbClr>
+                  </a:outerShdw>
+                </a:effectLst>
+              </a:rPr>
+              <a:t>Pause</a:t>
+            </a:r>
+            <a:endParaRPr lang="en-US" sz="3600" b="1" dirty="0">
+              <a:ln w="11430"/>
+              <a:solidFill>
+                <a:srgbClr val="CC0000"/>
+              </a:solidFill>
+              <a:effectLst>
+                <a:outerShdw blurRad="50800" dist="39000" dir="5460000" algn="tl">
+                  <a:srgbClr val="000000">
+                    <a:alpha val="38000"/>
+                  </a:srgbClr>
+                </a:outerShdw>
+              </a:effectLst>
+            </a:endParaRPr>
+          </a:p>
+        </p:txBody>
+      </p:sp>
     </p:spTree>
     <p:extLst>
       <p:ext uri="{BB962C8B-B14F-4D97-AF65-F5344CB8AC3E}">
@@ -20661,7 +20854,19 @@
             </a:r>
             <a:r>
               <a:rPr lang="en-GB" altLang="da-DK" sz="1600" dirty="0" smtClean="0"/>
-              <a:t>readers – including the censor – </a:t>
+              <a:t>readers – </a:t>
+            </a:r>
+            <a:r>
+              <a:rPr lang="en-GB" altLang="da-DK" sz="1600" b="1" dirty="0" smtClean="0">
+                <a:solidFill>
+                  <a:srgbClr val="008000"/>
+                </a:solidFill>
+              </a:rPr>
+              <a:t>including the censor</a:t>
+            </a:r>
+            <a:r>
+              <a:rPr lang="en-GB" altLang="da-DK" sz="1600" dirty="0" smtClean="0"/>
+              <a:t> – </a:t>
             </a:r>
             <a:r>
               <a:rPr lang="en-GB" altLang="da-DK" sz="1600" dirty="0"/>
@@ -22976,53 +23181,41 @@
                 <a:latin typeface="+mn-lt"/>
                 <a:ea typeface="+mn-ea"/>
               </a:rPr>
-              <a:t>As an example it is very important </a:t>
-            </a:r>
-            <a:r>
-              <a:rPr lang="en-US" sz="1600" dirty="0"/>
-              <a:t>be </a:t>
-            </a:r>
-            <a:r>
-              <a:rPr lang="en-US" sz="1600" b="1" dirty="0">
-                <a:solidFill>
-                  <a:srgbClr val="008000"/>
-                </a:solidFill>
-              </a:rPr>
-              <a:t>crystal clear</a:t>
-            </a:r>
-            <a:r>
-              <a:rPr lang="en-US" sz="1600" dirty="0"/>
-              <a:t> whether this is the work of other researchers or your own </a:t>
-            </a:r>
-            <a:r>
-              <a:rPr lang="en-US" sz="1600" dirty="0" smtClean="0"/>
-              <a:t>work</a:t>
-            </a:r>
-          </a:p>
-          <a:p>
-            <a:pPr marL="728663" lvl="1" indent="-271463">
-              <a:spcBef>
-                <a:spcPts val="300"/>
-              </a:spcBef>
-              <a:buFont typeface="Arial" panose="020B0604020202020204" pitchFamily="34" charset="0"/>
-              <a:buChar char="–"/>
-            </a:pPr>
-            <a:r>
-              <a:rPr lang="en-GB" altLang="da-DK" sz="1600" b="1" dirty="0">
-                <a:solidFill>
-                  <a:srgbClr val="008000"/>
-                </a:solidFill>
+              <a:t>As an </a:t>
+            </a:r>
+            <a:r>
+              <a:rPr lang="en-GB" altLang="da-DK" sz="1600" dirty="0" smtClean="0">
                 <a:latin typeface="+mn-lt"/>
                 <a:ea typeface="+mn-ea"/>
               </a:rPr>
-              <a:t>Provide arguments</a:t>
+              <a:t>example, </a:t>
             </a:r>
             <a:r>
               <a:rPr lang="en-GB" altLang="da-DK" sz="1600" dirty="0">
                 <a:latin typeface="+mn-lt"/>
                 <a:ea typeface="+mn-ea"/>
               </a:rPr>
-              <a:t> – not postulates</a:t>
+              <a:t>it is very important </a:t>
+            </a:r>
+            <a:r>
+              <a:rPr lang="en-US" sz="1600" dirty="0"/>
+              <a:t>be </a:t>
+            </a:r>
+            <a:r>
+              <a:rPr lang="en-US" sz="1600" b="1" dirty="0">
+                <a:solidFill>
+                  <a:srgbClr val="008000"/>
+                </a:solidFill>
+              </a:rPr>
+              <a:t>crystal clear</a:t>
+            </a:r>
+            <a:r>
+              <a:rPr lang="en-US" sz="1600" dirty="0"/>
+              <a:t> whether this is the work of other researchers or your own </a:t>
+            </a:r>
+            <a:r>
+              <a:rPr lang="en-US" sz="1600" dirty="0" smtClean="0"/>
+              <a:t>work</a:t>
             </a:r>
           </a:p>
           <a:p>
@@ -23033,29 +23226,38 @@
               <a:buFont typeface="Arial" panose="020B0604020202020204" pitchFamily="34" charset="0"/>
               <a:buChar char="–"/>
             </a:pPr>
+            <a:r>
+              <a:rPr lang="en-GB" altLang="da-DK" sz="1600" b="1" dirty="0">
+                <a:solidFill>
+                  <a:srgbClr val="008000"/>
+                </a:solidFill>
+                <a:latin typeface="+mn-lt"/>
+                <a:ea typeface="+mn-ea"/>
+              </a:rPr>
+              <a:t>Provide arguments</a:t>
+            </a:r>
             <a:r>
               <a:rPr lang="en-GB" altLang="da-DK" sz="1600" dirty="0">
                 <a:latin typeface="+mn-lt"/>
                 <a:ea typeface="+mn-ea"/>
               </a:rPr>
-              <a:t>Try to be as </a:t>
-            </a:r>
-            <a:r>
-              <a:rPr lang="en-GB" altLang="da-DK" sz="1600" b="1" dirty="0">
-                <a:solidFill>
-                  <a:srgbClr val="008000"/>
-                </a:solidFill>
-                <a:latin typeface="+mn-lt"/>
-                <a:ea typeface="+mn-ea"/>
-              </a:rPr>
-              <a:t>precise</a:t>
-            </a:r>
+              <a:t> – not postulates</a:t>
+            </a:r>
+          </a:p>
+          <a:p>
+            <a:pPr marL="728663" lvl="1" indent="-271463">
+              <a:spcBef>
+                <a:spcPts val="300"/>
+              </a:spcBef>
+              <a:buFont typeface="Arial" panose="020B0604020202020204" pitchFamily="34" charset="0"/>
+              <a:buChar char="–"/>
+            </a:pPr>
             <a:r>
               <a:rPr lang="en-GB" altLang="da-DK" sz="1600" dirty="0">
                 <a:latin typeface="+mn-lt"/>
                 <a:ea typeface="+mn-ea"/>
               </a:rPr>
-              <a:t> and </a:t>
+              <a:t>Use the </a:t>
             </a:r>
             <a:r>
               <a:rPr lang="en-GB" altLang="da-DK" sz="1600" b="1" dirty="0">
@@ -23065,30 +23267,47 @@
                 <a:latin typeface="+mn-lt"/>
                 <a:ea typeface="+mn-ea"/>
               </a:rPr>
-              <a:t>consistent</a:t>
+              <a:t>correct terminology</a:t>
+            </a:r>
+          </a:p>
+          <a:p>
+            <a:pPr marL="728663" lvl="1" indent="-271463">
+              <a:spcBef>
+                <a:spcPts val="300"/>
+              </a:spcBef>
+              <a:buFont typeface="Arial" panose="020B0604020202020204" pitchFamily="34" charset="0"/>
+              <a:buChar char="–"/>
+            </a:pPr>
+            <a:r>
+              <a:rPr lang="en-GB" altLang="da-DK" sz="1600" dirty="0" smtClean="0">
+                <a:latin typeface="+mn-lt"/>
+                <a:ea typeface="+mn-ea"/>
+              </a:rPr>
+              <a:t>Try </a:t>
             </a:r>
             <a:r>
               <a:rPr lang="en-GB" altLang="da-DK" sz="1600" dirty="0">
                 <a:latin typeface="+mn-lt"/>
                 <a:ea typeface="+mn-ea"/>
               </a:rPr>
-              <a:t> as possible without unnecessary repetitions</a:t>
-            </a:r>
-          </a:p>
-          <a:p>
-            <a:pPr marL="728663" lvl="1" indent="-271463">
-              <a:spcBef>
-                <a:spcPts val="300"/>
-              </a:spcBef>
-              <a:buFont typeface="Arial" panose="020B0604020202020204" pitchFamily="34" charset="0"/>
-              <a:buChar char="–"/>
-            </a:pPr>
+              <a:t>to be as </a:t>
+            </a:r>
+            <a:r>
+              <a:rPr lang="en-GB" altLang="da-DK" sz="1600" b="1" dirty="0">
+                <a:solidFill>
+                  <a:srgbClr val="008000"/>
+                </a:solidFill>
+                <a:latin typeface="+mn-lt"/>
+                <a:ea typeface="+mn-ea"/>
+              </a:rPr>
+              <a:t>precise</a:t>
+            </a:r>
             <a:r>
               <a:rPr lang="en-GB" altLang="da-DK" sz="1600" dirty="0">
                 <a:latin typeface="+mn-lt"/>
                 <a:ea typeface="+mn-ea"/>
               </a:rPr>
-              <a:t>Use the </a:t>
+              <a:t> and </a:t>
             </a:r>
             <a:r>
               <a:rPr lang="en-GB" altLang="da-DK" sz="1600" b="1" dirty="0">
@@ -23098,7 +23317,14 @@
                 <a:latin typeface="+mn-lt"/>
                 <a:ea typeface="+mn-ea"/>
               </a:rPr>
-              <a:t>correct terminology</a:t>
+              <a:t>consistent</a:t>
+            </a:r>
+            <a:r>
+              <a:rPr lang="en-GB" altLang="da-DK" sz="1600" dirty="0">
+                <a:latin typeface="+mn-lt"/>
+                <a:ea typeface="+mn-ea"/>
+              </a:rPr>
+              <a:t> as possible without unnecessary repetitions</a:t>
             </a:r>
           </a:p>
           <a:p>
@@ -23461,15 +23687,7 @@
             </a:r>
             <a:r>
               <a:rPr lang="en-GB" altLang="da-DK" sz="2800" dirty="0" smtClean="0"/>
-              <a:t>make </a:t>
-            </a:r>
-            <a:r>
-              <a:rPr lang="en-GB" altLang="da-DK" sz="2800" dirty="0" smtClean="0"/>
-              <a:t>an </a:t>
-            </a:r>
-            <a:r>
-              <a:rPr lang="en-GB" altLang="da-DK" sz="2800" dirty="0" smtClean="0"/>
-              <a:t>oral presentation?</a:t>
+              <a:t>make an oral presentation?</a:t>
             </a:r>
             <a:endParaRPr lang="en-GB" altLang="da-DK" sz="2800" dirty="0"/>
           </a:p>
@@ -23807,7 +24025,17 @@
                 <a:latin typeface="Arial" pitchFamily="34" charset="0"/>
                 <a:ea typeface="ＭＳ Ｐゴシック" pitchFamily="34" charset="-128"/>
               </a:rPr>
-              <a:t>June 9 at 13.00</a:t>
+              <a:t>Monday June </a:t>
+            </a:r>
+            <a:r>
+              <a:rPr lang="en-GB" sz="1500" b="1" kern="1200" dirty="0" smtClean="0">
+                <a:solidFill>
+                  <a:srgbClr val="008000"/>
+                </a:solidFill>
+                <a:latin typeface="Arial" pitchFamily="34" charset="0"/>
+                <a:ea typeface="ＭＳ Ｐゴシック" pitchFamily="34" charset="-128"/>
+              </a:rPr>
+              <a:t>9 at 13.00</a:t>
             </a:r>
             <a:endParaRPr lang="en-GB" sz="1500" kern="1200" dirty="0" smtClean="0">
               <a:solidFill>
@@ -23886,6 +24114,10 @@
               </a:rPr>
               <a:t>)</a:t>
             </a:r>
+            <a:endParaRPr lang="en-GB" sz="1500" spc="-70" dirty="0" smtClean="0">
+              <a:latin typeface="Arial" pitchFamily="34" charset="0"/>
+              <a:ea typeface="ＭＳ Ｐゴシック" pitchFamily="34" charset="-128"/>
+            </a:endParaRPr>
           </a:p>
           <a:p>
             <a:pPr marL="1128713" lvl="2" indent="-271463">
@@ -26990,7 +27222,7 @@
         <p:spPr bwMode="auto">
           <a:xfrm>
             <a:off x="436816" y="1124744"/>
-            <a:ext cx="8455664" cy="4320480"/>
+            <a:ext cx="8455664" cy="4680520"/>
           </a:xfrm>
           <a:prstGeom prst="rect">
             <a:avLst/>
@@ -27393,8 +27625,17 @@
               <a:rPr lang="en-GB" altLang="da-DK" sz="1600" kern="0" dirty="0" smtClean="0">
                 <a:ea typeface="ＭＳ Ｐゴシック" pitchFamily="34" charset="-128"/>
               </a:rPr>
-              <a:t>For videos you should thoroughly test that they start and display as intended</a:t>
-            </a:r>
+              <a:t>For videos you should thoroughly test that they start and display as </a:t>
+            </a:r>
+            <a:r>
+              <a:rPr lang="en-GB" altLang="da-DK" sz="1600" kern="0" dirty="0" smtClean="0">
+                <a:ea typeface="ＭＳ Ｐゴシック" pitchFamily="34" charset="-128"/>
+              </a:rPr>
+              <a:t>intended (on the computer to be used for the presentation)</a:t>
+            </a:r>
+            <a:endParaRPr lang="en-GB" altLang="da-DK" sz="1600" kern="0" dirty="0" smtClean="0">
+              <a:ea typeface="ＭＳ Ｐゴシック" pitchFamily="34" charset="-128"/>
+            </a:endParaRPr>
           </a:p>
           <a:p>
             <a:pPr marL="342900" lvl="1" indent="-342900">
@@ -27480,17 +27721,33 @@
               <a:t>P</a:t>
             </a:r>
             <a:r>
-              <a:rPr lang="en-GB" altLang="da-DK" sz="1600" kern="0" smtClean="0">
-                <a:ea typeface="ＭＳ Ｐゴシック" pitchFamily="34" charset="-128"/>
-              </a:rPr>
-              <a:t>ractise </a:t>
-            </a:r>
-            <a:r>
               <a:rPr lang="en-GB" altLang="da-DK" sz="1600" kern="0" dirty="0" smtClean="0">
                 <a:ea typeface="ＭＳ Ｐゴシック" pitchFamily="34" charset="-128"/>
               </a:rPr>
-              <a:t>it thoroughly on the correct computer – it is very easy to waste a lot of time on technical difficulties without any real gain for your presentation</a:t>
-            </a:r>
+              <a:t>ractise it thoroughly on the correct computer – it is very easy to waste a lot of time on technical difficulties without any real gain for your </a:t>
+            </a:r>
+            <a:r>
+              <a:rPr lang="en-GB" altLang="da-DK" sz="1600" kern="0" dirty="0" smtClean="0">
+                <a:ea typeface="ＭＳ Ｐゴシック" pitchFamily="34" charset="-128"/>
+              </a:rPr>
+              <a:t>presentation</a:t>
+            </a:r>
+          </a:p>
+          <a:p>
+            <a:pPr lvl="1">
+              <a:spcBef>
+                <a:spcPts val="300"/>
+              </a:spcBef>
+            </a:pPr>
+            <a:r>
+              <a:rPr lang="en-GB" altLang="da-DK" sz="1600" kern="0" dirty="0" smtClean="0">
+                <a:ea typeface="ＭＳ Ｐゴシック" pitchFamily="34" charset="-128"/>
+              </a:rPr>
+              <a:t>Sometimes such presentations can be done prior to the exam – ask your advisor</a:t>
+            </a:r>
+            <a:endParaRPr lang="en-GB" altLang="da-DK" sz="1600" kern="0" dirty="0" smtClean="0">
+              <a:ea typeface="ＭＳ Ｐゴシック" pitchFamily="34" charset="-128"/>
+            </a:endParaRPr>
           </a:p>
           <a:p>
             <a:pPr lvl="1">
@@ -29587,32 +29844,13 @@
             </a:r>
             <a:r>
               <a:rPr lang="da-DK" sz="1600" dirty="0"/>
-              <a:t> a Danish and an English version (with </a:t>
-            </a:r>
-            <a:r>
-              <a:rPr lang="da-DK" sz="1600" dirty="0" err="1"/>
-              <a:t>slightly</a:t>
-            </a:r>
-            <a:r>
-              <a:rPr lang="da-DK" sz="1600" dirty="0"/>
-              <a:t> </a:t>
-            </a:r>
-            <a:r>
-              <a:rPr lang="da-DK" sz="1600" dirty="0" err="1"/>
-              <a:t>different</a:t>
-            </a:r>
-            <a:r>
-              <a:rPr lang="da-DK" sz="1600" dirty="0"/>
-              <a:t> </a:t>
-            </a:r>
-            <a:r>
-              <a:rPr lang="da-DK" sz="1600" dirty="0" err="1"/>
-              <a:t>contents</a:t>
+              <a:t> a Danish and an English </a:t>
             </a:r>
             <a:r>
               <a:rPr lang="da-DK" sz="1600" dirty="0" smtClean="0"/>
-              <a:t>)</a:t>
-            </a:r>
+              <a:t>version</a:t>
+            </a:r>
+            <a:endParaRPr lang="da-DK" sz="1600" dirty="0" smtClean="0"/>
           </a:p>
         </p:txBody>
       </p:sp>
@@ -30781,7 +31019,19 @@
             </a:r>
             <a:r>
               <a:rPr lang="en-GB" altLang="da-DK" sz="1600" dirty="0" smtClean="0"/>
-              <a:t>, you may need to skip part of your data collection, restrict your experiments, make a simplified implementation/prototype or develop less theory/proofs</a:t>
+              <a:t>, you may need to </a:t>
+            </a:r>
+            <a:r>
+              <a:rPr lang="en-GB" altLang="da-DK" sz="1600" b="1" dirty="0" smtClean="0">
+                <a:solidFill>
+                  <a:srgbClr val="008000"/>
+                </a:solidFill>
+              </a:rPr>
+              <a:t>skip</a:t>
+            </a:r>
+            <a:r>
+              <a:rPr lang="en-GB" altLang="da-DK" sz="1600" dirty="0" smtClean="0"/>
+              <a:t> part of your data collection, restrict your experiments, make a simplified implementation/prototype or develop less theory/proofs</a:t>
             </a:r>
           </a:p>
           <a:p>

--- a/web/b25/2 Academic Writing and Oral Presentation.pptx
+++ b/web/b25/2 Academic Writing and Oral Presentation.pptx
@@ -11797,7 +11797,6 @@
               <a:rPr lang="en-US" sz="1600" dirty="0" smtClean="0"/>
               <a:t>English)</a:t>
             </a:r>
-            <a:endParaRPr lang="en-US" sz="1600" dirty="0" smtClean="0"/>
           </a:p>
           <a:p>
             <a:pPr marL="271463" indent="-271463" defTabSz="560831">
@@ -16291,23 +16290,7 @@
                   <a:srgbClr val="0000CC"/>
                 </a:solidFill>
               </a:rPr>
-              <a:t>You will </a:t>
-            </a:r>
-            <a:r>
-              <a:rPr lang="en-GB" altLang="da-DK" sz="1200" b="1" dirty="0" smtClean="0">
-                <a:solidFill>
-                  <a:srgbClr val="0000CC"/>
-                </a:solidFill>
-              </a:rPr>
-              <a:t>also need </a:t>
-            </a:r>
-            <a:r>
-              <a:rPr lang="en-GB" altLang="da-DK" sz="1200" b="1" dirty="0" smtClean="0">
-                <a:solidFill>
-                  <a:srgbClr val="0000CC"/>
-                </a:solidFill>
-              </a:rPr>
-              <a:t>good figures for your oral presentation</a:t>
+              <a:t>You will also need good figures for your oral presentation</a:t>
             </a:r>
           </a:p>
           <a:p>
@@ -17891,15 +17874,7 @@
             </a:pPr>
             <a:r>
               <a:rPr lang="en-GB" altLang="da-DK" sz="1600" b="1" dirty="0" smtClean="0"/>
-              <a:t>In </a:t>
-            </a:r>
-            <a:r>
-              <a:rPr lang="en-GB" altLang="da-DK" sz="1600" b="1" dirty="0" smtClean="0"/>
-              <a:t>one </a:t>
-            </a:r>
-            <a:r>
-              <a:rPr lang="en-GB" altLang="da-DK" sz="1600" b="1" dirty="0" smtClean="0"/>
-              <a:t>round, you focus om simplification of the text (short sentences etc.)</a:t>
+              <a:t>In one round, you focus om simplification of the text (short sentences etc.)</a:t>
             </a:r>
           </a:p>
           <a:p>
@@ -17983,11 +17958,7 @@
             </a:pPr>
             <a:r>
               <a:rPr lang="en-GB" altLang="da-DK" sz="1600" dirty="0" smtClean="0"/>
-              <a:t>In one </a:t>
-            </a:r>
-            <a:r>
-              <a:rPr lang="en-GB" altLang="da-DK" sz="1600" dirty="0" smtClean="0"/>
-              <a:t>round, you focus on punctuation (commas and full stops)</a:t>
+              <a:t>In one round, you focus on punctuation (commas and full stops)</a:t>
             </a:r>
             <a:endParaRPr lang="en-GB" altLang="da-DK" sz="1600" dirty="0"/>
           </a:p>
@@ -18002,7 +17973,6 @@
               <a:rPr lang="en-GB" altLang="da-DK" sz="1600" dirty="0" smtClean="0"/>
               <a:t>………</a:t>
             </a:r>
-            <a:endParaRPr lang="en-GB" altLang="da-DK" sz="1600" dirty="0" smtClean="0"/>
           </a:p>
           <a:p>
             <a:pPr marL="271463" lvl="1" indent="-271463" defTabSz="560831">
@@ -24035,7 +24005,17 @@
                 <a:latin typeface="Arial" pitchFamily="34" charset="0"/>
                 <a:ea typeface="ＭＳ Ｐゴシック" pitchFamily="34" charset="-128"/>
               </a:rPr>
-              <a:t>9 at 13.00</a:t>
+              <a:t>10 </a:t>
+            </a:r>
+            <a:r>
+              <a:rPr lang="en-GB" sz="1500" b="1" kern="1200" dirty="0" smtClean="0">
+                <a:solidFill>
+                  <a:srgbClr val="008000"/>
+                </a:solidFill>
+                <a:latin typeface="Arial" pitchFamily="34" charset="0"/>
+                <a:ea typeface="ＭＳ Ｐゴシック" pitchFamily="34" charset="-128"/>
+              </a:rPr>
+              <a:t>at 13.00</a:t>
             </a:r>
             <a:endParaRPr lang="en-GB" sz="1500" kern="1200" dirty="0" smtClean="0">
               <a:solidFill>
@@ -24114,10 +24094,6 @@
               </a:rPr>
               <a:t>)</a:t>
             </a:r>
-            <a:endParaRPr lang="en-GB" sz="1500" spc="-70" dirty="0" smtClean="0">
-              <a:latin typeface="Arial" pitchFamily="34" charset="0"/>
-              <a:ea typeface="ＭＳ Ｐゴシック" pitchFamily="34" charset="-128"/>
-            </a:endParaRPr>
           </a:p>
           <a:p>
             <a:pPr marL="1128713" lvl="2" indent="-271463">
@@ -27625,17 +27601,8 @@
               <a:rPr lang="en-GB" altLang="da-DK" sz="1600" kern="0" dirty="0" smtClean="0">
                 <a:ea typeface="ＭＳ Ｐゴシック" pitchFamily="34" charset="-128"/>
               </a:rPr>
-              <a:t>For videos you should thoroughly test that they start and display as </a:t>
-            </a:r>
-            <a:r>
-              <a:rPr lang="en-GB" altLang="da-DK" sz="1600" kern="0" dirty="0" smtClean="0">
-                <a:ea typeface="ＭＳ Ｐゴシック" pitchFamily="34" charset="-128"/>
-              </a:rPr>
-              <a:t>intended (on the computer to be used for the presentation)</a:t>
-            </a:r>
-            <a:endParaRPr lang="en-GB" altLang="da-DK" sz="1600" kern="0" dirty="0" smtClean="0">
-              <a:ea typeface="ＭＳ Ｐゴシック" pitchFamily="34" charset="-128"/>
-            </a:endParaRPr>
+              <a:t>For videos you should thoroughly test that they start and display as intended (on the computer to be used for the presentation)</a:t>
+            </a:r>
           </a:p>
           <a:p>
             <a:pPr marL="342900" lvl="1" indent="-342900">
@@ -27724,30 +27691,21 @@
               <a:rPr lang="en-GB" altLang="da-DK" sz="1600" kern="0" dirty="0" smtClean="0">
                 <a:ea typeface="ＭＳ Ｐゴシック" pitchFamily="34" charset="-128"/>
               </a:rPr>
-              <a:t>ractise it thoroughly on the correct computer – it is very easy to waste a lot of time on technical difficulties without any real gain for your </a:t>
-            </a:r>
+              <a:t>ractise it thoroughly on the correct computer – it is very easy to waste a lot of time on technical difficulties without any real gain for your presentation</a:t>
+            </a:r>
+          </a:p>
+          <a:p>
+            <a:pPr lvl="1">
+              <a:spcBef>
+                <a:spcPts val="300"/>
+              </a:spcBef>
+            </a:pPr>
             <a:r>
               <a:rPr lang="en-GB" altLang="da-DK" sz="1600" kern="0" dirty="0" smtClean="0">
                 <a:ea typeface="ＭＳ Ｐゴシック" pitchFamily="34" charset="-128"/>
               </a:rPr>
-              <a:t>presentation</a:t>
-            </a:r>
-          </a:p>
-          <a:p>
-            <a:pPr lvl="1">
-              <a:spcBef>
-                <a:spcPts val="300"/>
-              </a:spcBef>
-            </a:pPr>
-            <a:r>
-              <a:rPr lang="en-GB" altLang="da-DK" sz="1600" kern="0" dirty="0" smtClean="0">
-                <a:ea typeface="ＭＳ Ｐゴシック" pitchFamily="34" charset="-128"/>
-              </a:rPr>
               <a:t>Sometimes such presentations can be done prior to the exam – ask your advisor</a:t>
             </a:r>
-            <a:endParaRPr lang="en-GB" altLang="da-DK" sz="1600" kern="0" dirty="0" smtClean="0">
-              <a:ea typeface="ＭＳ Ｐゴシック" pitchFamily="34" charset="-128"/>
-            </a:endParaRPr>
           </a:p>
           <a:p>
             <a:pPr lvl="1">
@@ -29850,7 +29808,6 @@
               <a:rPr lang="da-DK" sz="1600" dirty="0" smtClean="0"/>
               <a:t>version</a:t>
             </a:r>
-            <a:endParaRPr lang="da-DK" sz="1600" dirty="0" smtClean="0"/>
           </a:p>
         </p:txBody>
       </p:sp>

--- a/web/b25/2 Academic Writing and Oral Presentation.pptx
+++ b/web/b25/2 Academic Writing and Oral Presentation.pptx
@@ -2,54 +2,54 @@
 <file path=ppt/presentation.xml><?xml version="1.0" encoding="utf-8"?>
 <p:presentation xmlns:a="http://schemas.openxmlformats.org/drawingml/2006/main" xmlns:r="http://schemas.openxmlformats.org/officeDocument/2006/relationships" xmlns:p="http://schemas.openxmlformats.org/presentationml/2006/main" showSpecialPlsOnTitleSld="0" saveSubsetFonts="1" autoCompressPictures="0">
   <p:sldMasterIdLst>
-    <p:sldMasterId id="2147483648" r:id="rId1"/>
+    <p:sldMasterId id="2147483648" r:id="rId4"/>
   </p:sldMasterIdLst>
   <p:notesMasterIdLst>
-    <p:notesMasterId r:id="rId41"/>
+    <p:notesMasterId r:id="rId44"/>
   </p:notesMasterIdLst>
   <p:handoutMasterIdLst>
-    <p:handoutMasterId r:id="rId42"/>
+    <p:handoutMasterId r:id="rId45"/>
   </p:handoutMasterIdLst>
   <p:sldIdLst>
-    <p:sldId id="375" r:id="rId2"/>
-    <p:sldId id="456" r:id="rId3"/>
-    <p:sldId id="411" r:id="rId4"/>
-    <p:sldId id="417" r:id="rId5"/>
-    <p:sldId id="421" r:id="rId6"/>
-    <p:sldId id="427" r:id="rId7"/>
-    <p:sldId id="420" r:id="rId8"/>
-    <p:sldId id="428" r:id="rId9"/>
-    <p:sldId id="429" r:id="rId10"/>
-    <p:sldId id="430" r:id="rId11"/>
-    <p:sldId id="438" r:id="rId12"/>
-    <p:sldId id="413" r:id="rId13"/>
-    <p:sldId id="431" r:id="rId14"/>
-    <p:sldId id="432" r:id="rId15"/>
-    <p:sldId id="434" r:id="rId16"/>
-    <p:sldId id="437" r:id="rId17"/>
-    <p:sldId id="435" r:id="rId18"/>
-    <p:sldId id="436" r:id="rId19"/>
-    <p:sldId id="439" r:id="rId20"/>
-    <p:sldId id="443" r:id="rId21"/>
-    <p:sldId id="444" r:id="rId22"/>
-    <p:sldId id="433" r:id="rId23"/>
-    <p:sldId id="440" r:id="rId24"/>
-    <p:sldId id="424" r:id="rId25"/>
-    <p:sldId id="425" r:id="rId26"/>
-    <p:sldId id="426" r:id="rId27"/>
-    <p:sldId id="441" r:id="rId28"/>
-    <p:sldId id="442" r:id="rId29"/>
-    <p:sldId id="446" r:id="rId30"/>
-    <p:sldId id="447" r:id="rId31"/>
-    <p:sldId id="448" r:id="rId32"/>
-    <p:sldId id="449" r:id="rId33"/>
-    <p:sldId id="450" r:id="rId34"/>
-    <p:sldId id="451" r:id="rId35"/>
-    <p:sldId id="452" r:id="rId36"/>
-    <p:sldId id="453" r:id="rId37"/>
-    <p:sldId id="454" r:id="rId38"/>
-    <p:sldId id="445" r:id="rId39"/>
-    <p:sldId id="455" r:id="rId40"/>
+    <p:sldId id="375" r:id="rId5"/>
+    <p:sldId id="456" r:id="rId6"/>
+    <p:sldId id="411" r:id="rId7"/>
+    <p:sldId id="417" r:id="rId8"/>
+    <p:sldId id="421" r:id="rId9"/>
+    <p:sldId id="427" r:id="rId10"/>
+    <p:sldId id="420" r:id="rId11"/>
+    <p:sldId id="428" r:id="rId12"/>
+    <p:sldId id="429" r:id="rId13"/>
+    <p:sldId id="430" r:id="rId14"/>
+    <p:sldId id="438" r:id="rId15"/>
+    <p:sldId id="413" r:id="rId16"/>
+    <p:sldId id="431" r:id="rId17"/>
+    <p:sldId id="432" r:id="rId18"/>
+    <p:sldId id="434" r:id="rId19"/>
+    <p:sldId id="437" r:id="rId20"/>
+    <p:sldId id="435" r:id="rId21"/>
+    <p:sldId id="436" r:id="rId22"/>
+    <p:sldId id="439" r:id="rId23"/>
+    <p:sldId id="443" r:id="rId24"/>
+    <p:sldId id="444" r:id="rId25"/>
+    <p:sldId id="433" r:id="rId26"/>
+    <p:sldId id="440" r:id="rId27"/>
+    <p:sldId id="424" r:id="rId28"/>
+    <p:sldId id="425" r:id="rId29"/>
+    <p:sldId id="426" r:id="rId30"/>
+    <p:sldId id="441" r:id="rId31"/>
+    <p:sldId id="442" r:id="rId32"/>
+    <p:sldId id="446" r:id="rId33"/>
+    <p:sldId id="447" r:id="rId34"/>
+    <p:sldId id="448" r:id="rId35"/>
+    <p:sldId id="449" r:id="rId36"/>
+    <p:sldId id="450" r:id="rId37"/>
+    <p:sldId id="451" r:id="rId38"/>
+    <p:sldId id="452" r:id="rId39"/>
+    <p:sldId id="453" r:id="rId40"/>
+    <p:sldId id="454" r:id="rId41"/>
+    <p:sldId id="445" r:id="rId42"/>
+    <p:sldId id="455" r:id="rId43"/>
   </p:sldIdLst>
   <p:sldSz cx="9144000" cy="6858000" type="screen4x3"/>
   <p:notesSz cx="7099300" cy="10234613"/>
@@ -7426,18 +7426,18 @@
               </a:spcBef>
             </a:pPr>
             <a:r>
-              <a:rPr lang="en-GB" altLang="da-DK" sz="2800" dirty="0" smtClean="0"/>
+              <a:rPr lang="en-GB" altLang="da-DK" sz="3200" dirty="0" smtClean="0"/>
               <a:t>How </a:t>
             </a:r>
             <a:r>
-              <a:rPr lang="en-GB" altLang="da-DK" sz="2800" dirty="0"/>
+              <a:rPr lang="en-GB" altLang="da-DK" sz="3200" dirty="0"/>
               <a:t>to </a:t>
             </a:r>
             <a:r>
-              <a:rPr lang="en-GB" altLang="da-DK" sz="2800" dirty="0" smtClean="0"/>
+              <a:rPr lang="en-GB" altLang="da-DK" sz="3200" dirty="0" smtClean="0"/>
               <a:t>write an academic paper and make an oral presentation of it?</a:t>
             </a:r>
-            <a:endParaRPr lang="en-GB" altLang="da-DK" sz="2800" dirty="0"/>
+            <a:endParaRPr lang="en-GB" altLang="da-DK" sz="3200" dirty="0"/>
           </a:p>
         </p:txBody>
       </p:sp>
@@ -9421,8 +9421,16 @@
               </a:spcBef>
             </a:pPr>
             <a:r>
+              <a:rPr lang="en-GB" altLang="da-DK" sz="1600" b="1" dirty="0" smtClean="0">
+                <a:solidFill>
+                  <a:srgbClr val="008000"/>
+                </a:solidFill>
+              </a:rPr>
+              <a:t>Detailed arguments</a:t>
+            </a:r>
+            <a:r>
               <a:rPr lang="en-GB" altLang="da-DK" sz="1600" dirty="0" smtClean="0"/>
-              <a:t>Detailed arguments, logical reasoning</a:t>
+              <a:t>, logical reasoning</a:t>
             </a:r>
             <a:endParaRPr lang="en-GB" altLang="da-DK" sz="1600" dirty="0"/>
           </a:p>
@@ -9586,7 +9594,7 @@
         <p:spPr>
           <a:xfrm>
             <a:off x="468313" y="1052736"/>
-            <a:ext cx="8424167" cy="5256584"/>
+            <a:ext cx="8424167" cy="5760640"/>
           </a:xfrm>
           <a:noFill/>
         </p:spPr>
@@ -9628,7 +9636,15 @@
             </a:r>
             <a:r>
               <a:rPr lang="en-GB" altLang="da-DK" sz="1600" dirty="0" smtClean="0"/>
-              <a:t>more details and arguments</a:t>
+              <a:t>more details and </a:t>
+            </a:r>
+            <a:r>
+              <a:rPr lang="en-GB" altLang="da-DK" sz="1600" b="1" dirty="0" smtClean="0">
+                <a:solidFill>
+                  <a:srgbClr val="008000"/>
+                </a:solidFill>
+              </a:rPr>
+              <a:t>arguments</a:t>
             </a:r>
           </a:p>
           <a:p>
@@ -11091,7 +11107,7 @@
               <a:defRPr/>
             </a:pPr>
             <a:r>
-              <a:rPr lang="en-GB" altLang="da-DK" sz="2800" dirty="0" smtClean="0"/>
+              <a:rPr lang="en-GB" altLang="da-DK" sz="2800" dirty="0"/>
               <a:t>Language and grammar</a:t>
             </a:r>
           </a:p>
@@ -11110,7 +11126,7 @@
         <p:spPr>
           <a:xfrm>
             <a:off x="487620" y="1052736"/>
-            <a:ext cx="8476867" cy="5688632"/>
+            <a:ext cx="8476867" cy="5040560"/>
           </a:xfrm>
           <a:noFill/>
         </p:spPr>
@@ -11194,15 +11210,19 @@
               <a:defRPr sz="3072"/>
             </a:pPr>
             <a:r>
+              <a:rPr lang="en-US" sz="1600" dirty="0"/>
+              <a:t>If you describe two or more similar things, the descriptions should be as </a:t>
+            </a:r>
+            <a:r>
               <a:rPr lang="en-US" sz="1600" dirty="0" smtClean="0"/>
-              <a:t>The descriptions of two or more similar things should be as identical as possible,</a:t>
+              <a:t>identical</a:t>
             </a:r>
             <a:br>
               <a:rPr lang="en-US" sz="1600" dirty="0" smtClean="0"/>
             </a:br>
             <a:r>
               <a:rPr lang="en-US" sz="1600" dirty="0" smtClean="0"/>
-              <a:t>so that it is clear which differences are intended (not accidental) </a:t>
+              <a:t>as possible, so that it is clear which differences are intended (not accidental) </a:t>
             </a:r>
             <a:endParaRPr lang="en-US" sz="1600" dirty="0"/>
           </a:p>
@@ -11251,8 +11271,16 @@
               <a:t>Use </a:t>
             </a:r>
             <a:r>
+              <a:rPr lang="en-US" sz="1600" b="1" spc="-20" dirty="0">
+                <a:solidFill>
+                  <a:srgbClr val="008000"/>
+                </a:solidFill>
+              </a:rPr>
+              <a:t>short</a:t>
+            </a:r>
+            <a:r>
               <a:rPr lang="en-US" sz="1600" spc="-20" dirty="0"/>
-              <a:t>short sentences</a:t>
+              <a:t> sentences</a:t>
             </a:r>
           </a:p>
           <a:p>
@@ -11264,8 +11292,17 @@
             </a:pPr>
             <a:r>
               <a:rPr lang="en-US" sz="1600" dirty="0"/>
-              <a:t>With little effort you can often simplify a sentence and improve the readability</a:t>
-            </a:r>
+              <a:t>With little effort you can often simplify a sentence and </a:t>
+            </a:r>
+            <a:r>
+              <a:rPr lang="en-US" sz="1600" dirty="0" smtClean="0"/>
+              <a:t>make it shorter and more </a:t>
+            </a:r>
+            <a:r>
+              <a:rPr lang="en-US" sz="1600" dirty="0" err="1" smtClean="0"/>
+              <a:t>comperhensible</a:t>
+            </a:r>
+            <a:endParaRPr lang="en-US" sz="1600" dirty="0"/>
           </a:p>
           <a:p>
             <a:pPr marL="271463" lvl="1" indent="-271463" defTabSz="560831">
@@ -11276,68 +11313,13 @@
               <a:defRPr sz="3072" b="1"/>
             </a:pPr>
             <a:r>
-              <a:rPr lang="en-US" sz="1800" b="1" dirty="0">
-                <a:solidFill>
-                  <a:srgbClr val="008000"/>
+              <a:rPr lang="en-US" sz="1800" b="1" dirty="0" smtClean="0">
+                <a:solidFill>
+                  <a:srgbClr val="A50021"/>
                 </a:solidFill>
                 <a:cs typeface="ＭＳ Ｐゴシック" charset="0"/>
               </a:rPr>
-              <a:t>Example</a:t>
-            </a:r>
-          </a:p>
-          <a:p>
-            <a:pPr marL="728663" lvl="1" indent="-271463" defTabSz="560831">
-              <a:spcBef>
-                <a:spcPts val="300"/>
-              </a:spcBef>
-              <a:defRPr sz="3072"/>
-            </a:pPr>
-            <a:r>
-              <a:rPr lang="en-US" sz="1600" dirty="0"/>
-              <a:t>If you describe two or more similar things, the descriptions should be as identical…</a:t>
-            </a:r>
-          </a:p>
-          <a:p>
-            <a:pPr marL="728663" lvl="1" indent="-271463" defTabSz="560831">
-              <a:spcBef>
-                <a:spcPts val="300"/>
-              </a:spcBef>
-              <a:defRPr sz="3072"/>
-            </a:pPr>
-            <a:r>
-              <a:rPr lang="en-US" sz="1600" dirty="0"/>
-              <a:t>The descriptions of two or more similar things should be as identical</a:t>
-            </a:r>
-            <a:r>
-              <a:rPr lang="en-US" sz="1600" dirty="0" smtClean="0"/>
-              <a:t>…</a:t>
-            </a:r>
-          </a:p>
-          <a:p>
-            <a:pPr marL="271463" lvl="1" indent="-271463" defTabSz="560831">
-              <a:spcBef>
-                <a:spcPts val="1200"/>
-              </a:spcBef>
-              <a:buChar char="•"/>
-              <a:defRPr sz="3072" b="1"/>
-            </a:pPr>
-            <a:r>
-              <a:rPr lang="en-US" sz="1800" b="1" dirty="0">
-                <a:solidFill>
-                  <a:srgbClr val="A50021"/>
-                </a:solidFill>
-                <a:cs typeface="ＭＳ Ｐゴシック" charset="0"/>
-              </a:rPr>
-              <a:t>Your </a:t>
-            </a:r>
-            <a:r>
-              <a:rPr lang="en-US" sz="1800" b="1" dirty="0" smtClean="0">
-                <a:solidFill>
-                  <a:srgbClr val="A50021"/>
-                </a:solidFill>
-                <a:cs typeface="ＭＳ Ｐゴシック" charset="0"/>
-              </a:rPr>
-              <a:t>responsibility</a:t>
+              <a:t>Your responsibility</a:t>
             </a:r>
             <a:endParaRPr lang="en-US" sz="1800" b="1" dirty="0">
               <a:solidFill>
@@ -11355,7 +11337,19 @@
             </a:pPr>
             <a:r>
               <a:rPr lang="en-US" sz="1600" spc="-20" dirty="0" smtClean="0"/>
-              <a:t>It is your responsibility to make the text easy to understand, with clear arguments and few chances of misconception</a:t>
+              <a:t>It is </a:t>
+            </a:r>
+            <a:r>
+              <a:rPr lang="en-US" sz="1600" b="1" spc="-20" dirty="0" smtClean="0">
+                <a:solidFill>
+                  <a:srgbClr val="008000"/>
+                </a:solidFill>
+              </a:rPr>
+              <a:t>your responsibility</a:t>
+            </a:r>
+            <a:r>
+              <a:rPr lang="en-US" sz="1600" spc="-20" dirty="0" smtClean="0"/>
+              <a:t> to make the text easy to understand, with clear arguments and few chances of misconception</a:t>
             </a:r>
           </a:p>
           <a:p>
@@ -11373,15 +11367,6 @@
               <a:rPr lang="en-US" sz="1600" dirty="0" smtClean="0"/>
               <a:t>readability</a:t>
             </a:r>
-            <a:endParaRPr lang="en-US" sz="1600" spc="-20" dirty="0"/>
-          </a:p>
-          <a:p>
-            <a:pPr marL="728663" lvl="1" indent="-271463" defTabSz="560831">
-              <a:spcBef>
-                <a:spcPts val="300"/>
-              </a:spcBef>
-              <a:defRPr sz="3072"/>
-            </a:pPr>
             <a:endParaRPr lang="en-US" sz="1600" spc="-20" dirty="0"/>
           </a:p>
         </p:txBody>
@@ -11405,13 +11390,482 @@
               <a:defRPr/>
             </a:pPr>
             <a:fld id="{3A57ADD0-007F-4610-9D7D-5E5ADEAA50E0}" type="slidenum">
-              <a:rPr lang="da-DK" altLang="da-DK" smtClean="0"/>
+              <a:rPr lang="da-DK" altLang="da-DK" smtClean="0">
+                <a:solidFill>
+                  <a:srgbClr val="008000"/>
+                </a:solidFill>
+              </a:rPr>
               <a:pPr>
                 <a:defRPr/>
               </a:pPr>
               <a:t>17</a:t>
             </a:fld>
-            <a:endParaRPr lang="da-DK" altLang="da-DK" dirty="0"/>
+            <a:endParaRPr lang="da-DK" altLang="da-DK" dirty="0">
+              <a:solidFill>
+                <a:srgbClr val="008000"/>
+              </a:solidFill>
+            </a:endParaRPr>
+          </a:p>
+        </p:txBody>
+      </p:sp>
+      <p:sp>
+        <p:nvSpPr>
+          <p:cNvPr id="6" name="Rectangle 3"/>
+          <p:cNvSpPr txBox="1">
+            <a:spLocks noChangeArrowheads="1"/>
+          </p:cNvSpPr>
+          <p:nvPr/>
+        </p:nvSpPr>
+        <p:spPr bwMode="auto">
+          <a:xfrm>
+            <a:off x="1205479" y="2845663"/>
+            <a:ext cx="7883056" cy="315700"/>
+          </a:xfrm>
+          <a:prstGeom prst="rect">
+            <a:avLst/>
+          </a:prstGeom>
+          <a:solidFill>
+            <a:schemeClr val="bg1"/>
+          </a:solidFill>
+          <a:ln>
+            <a:noFill/>
+          </a:ln>
+          <a:effectLst/>
+          <a:extLst>
+            <a:ext uri="{91240B29-F687-4F45-9708-019B960494DF}">
+              <a14:hiddenLine xmlns:a14="http://schemas.microsoft.com/office/drawing/2010/main" w="9525">
+                <a:solidFill>
+                  <a:schemeClr val="tx1"/>
+                </a:solidFill>
+                <a:miter lim="800000"/>
+                <a:headEnd/>
+                <a:tailEnd/>
+              </a14:hiddenLine>
+            </a:ext>
+            <a:ext uri="{AF507438-7753-43E0-B8FC-AC1667EBCBE1}">
+              <a14:hiddenEffects xmlns:a14="http://schemas.microsoft.com/office/drawing/2010/main">
+                <a:effectLst>
+                  <a:outerShdw blurRad="63500" dist="38099" dir="2700000" algn="ctr" rotWithShape="0">
+                    <a:schemeClr val="bg2">
+                      <a:alpha val="74998"/>
+                    </a:schemeClr>
+                  </a:outerShdw>
+                </a:effectLst>
+              </a14:hiddenEffects>
+            </a:ext>
+            <a:ext uri="{FAA26D3D-D897-4be2-8F04-BA451C77F1D7}"/>
+          </a:extLst>
+        </p:spPr>
+        <p:txBody>
+          <a:bodyPr vert="horz" wrap="square" lIns="91440" tIns="45720" rIns="91440" bIns="45720" numCol="1" anchor="t" anchorCtr="0" compatLnSpc="1">
+            <a:prstTxWarp prst="textNoShape">
+              <a:avLst/>
+            </a:prstTxWarp>
+          </a:bodyPr>
+          <a:lstStyle>
+            <a:lvl1pPr marL="342900" indent="-342900" algn="l" rtl="0" eaLnBrk="0" fontAlgn="base" hangingPunct="0">
+              <a:spcBef>
+                <a:spcPct val="20000"/>
+              </a:spcBef>
+              <a:spcAft>
+                <a:spcPct val="0"/>
+              </a:spcAft>
+              <a:buChar char="•"/>
+              <a:defRPr sz="2400" b="1">
+                <a:solidFill>
+                  <a:srgbClr val="A50021"/>
+                </a:solidFill>
+                <a:latin typeface="+mn-lt"/>
+                <a:ea typeface="+mn-ea"/>
+                <a:cs typeface="ＭＳ Ｐゴシック" charset="0"/>
+              </a:defRPr>
+            </a:lvl1pPr>
+            <a:lvl2pPr marL="742950" indent="-285750" algn="l" rtl="0" eaLnBrk="0" fontAlgn="base" hangingPunct="0">
+              <a:spcBef>
+                <a:spcPct val="20000"/>
+              </a:spcBef>
+              <a:spcAft>
+                <a:spcPct val="0"/>
+              </a:spcAft>
+              <a:buChar char="–"/>
+              <a:defRPr sz="2000">
+                <a:solidFill>
+                  <a:srgbClr val="000066"/>
+                </a:solidFill>
+                <a:latin typeface="+mn-lt"/>
+                <a:ea typeface="+mn-ea"/>
+              </a:defRPr>
+            </a:lvl2pPr>
+            <a:lvl3pPr marL="1143000" indent="-228600" algn="l" rtl="0" eaLnBrk="0" fontAlgn="base" hangingPunct="0">
+              <a:spcBef>
+                <a:spcPct val="20000"/>
+              </a:spcBef>
+              <a:spcAft>
+                <a:spcPct val="0"/>
+              </a:spcAft>
+              <a:buChar char="•"/>
+              <a:defRPr sz="1600">
+                <a:solidFill>
+                  <a:srgbClr val="000066"/>
+                </a:solidFill>
+                <a:latin typeface="+mn-lt"/>
+                <a:ea typeface="+mn-ea"/>
+              </a:defRPr>
+            </a:lvl3pPr>
+            <a:lvl4pPr marL="1600200" indent="-228600" algn="l" rtl="0" eaLnBrk="0" fontAlgn="base" hangingPunct="0">
+              <a:spcBef>
+                <a:spcPct val="20000"/>
+              </a:spcBef>
+              <a:spcAft>
+                <a:spcPct val="0"/>
+              </a:spcAft>
+              <a:buChar char="–"/>
+              <a:defRPr sz="1600">
+                <a:solidFill>
+                  <a:schemeClr val="tx1"/>
+                </a:solidFill>
+                <a:latin typeface="Times New Roman" charset="0"/>
+                <a:ea typeface="+mn-ea"/>
+              </a:defRPr>
+            </a:lvl4pPr>
+            <a:lvl5pPr marL="2057400" indent="-228600" algn="l" rtl="0" eaLnBrk="0" fontAlgn="base" hangingPunct="0">
+              <a:spcBef>
+                <a:spcPct val="20000"/>
+              </a:spcBef>
+              <a:spcAft>
+                <a:spcPct val="0"/>
+              </a:spcAft>
+              <a:buChar char="»"/>
+              <a:defRPr sz="1200">
+                <a:solidFill>
+                  <a:schemeClr val="tx1"/>
+                </a:solidFill>
+                <a:latin typeface="Times New Roman" charset="0"/>
+                <a:ea typeface="+mn-ea"/>
+              </a:defRPr>
+            </a:lvl5pPr>
+            <a:lvl6pPr marL="2514600" indent="-228600" algn="l" rtl="0" fontAlgn="base">
+              <a:spcBef>
+                <a:spcPct val="20000"/>
+              </a:spcBef>
+              <a:spcAft>
+                <a:spcPct val="0"/>
+              </a:spcAft>
+              <a:buChar char="»"/>
+              <a:defRPr sz="1200">
+                <a:solidFill>
+                  <a:schemeClr val="tx1"/>
+                </a:solidFill>
+                <a:latin typeface="Times New Roman" charset="0"/>
+                <a:ea typeface="+mn-ea"/>
+              </a:defRPr>
+            </a:lvl6pPr>
+            <a:lvl7pPr marL="2971800" indent="-228600" algn="l" rtl="0" fontAlgn="base">
+              <a:spcBef>
+                <a:spcPct val="20000"/>
+              </a:spcBef>
+              <a:spcAft>
+                <a:spcPct val="0"/>
+              </a:spcAft>
+              <a:buChar char="»"/>
+              <a:defRPr sz="1200">
+                <a:solidFill>
+                  <a:schemeClr val="tx1"/>
+                </a:solidFill>
+                <a:latin typeface="Times New Roman" charset="0"/>
+                <a:ea typeface="+mn-ea"/>
+              </a:defRPr>
+            </a:lvl7pPr>
+            <a:lvl8pPr marL="3429000" indent="-228600" algn="l" rtl="0" fontAlgn="base">
+              <a:spcBef>
+                <a:spcPct val="20000"/>
+              </a:spcBef>
+              <a:spcAft>
+                <a:spcPct val="0"/>
+              </a:spcAft>
+              <a:buChar char="»"/>
+              <a:defRPr sz="1200">
+                <a:solidFill>
+                  <a:schemeClr val="tx1"/>
+                </a:solidFill>
+                <a:latin typeface="Times New Roman" charset="0"/>
+                <a:ea typeface="+mn-ea"/>
+              </a:defRPr>
+            </a:lvl8pPr>
+            <a:lvl9pPr marL="3886200" indent="-228600" algn="l" rtl="0" fontAlgn="base">
+              <a:spcBef>
+                <a:spcPct val="20000"/>
+              </a:spcBef>
+              <a:spcAft>
+                <a:spcPct val="0"/>
+              </a:spcAft>
+              <a:buChar char="»"/>
+              <a:defRPr sz="1200">
+                <a:solidFill>
+                  <a:schemeClr val="tx1"/>
+                </a:solidFill>
+                <a:latin typeface="Times New Roman" charset="0"/>
+                <a:ea typeface="+mn-ea"/>
+              </a:defRPr>
+            </a:lvl9pPr>
+          </a:lstStyle>
+          <a:p>
+            <a:pPr marL="0" lvl="1" indent="0" defTabSz="560831">
+              <a:spcBef>
+                <a:spcPts val="300"/>
+              </a:spcBef>
+              <a:buNone/>
+              <a:defRPr sz="3072"/>
+            </a:pPr>
+            <a:r>
+              <a:rPr lang="en-US" sz="1600" dirty="0">
+                <a:solidFill>
+                  <a:srgbClr val="FF0000"/>
+                </a:solidFill>
+              </a:rPr>
+              <a:t>If you describe two or more similar things, the descriptions should be as </a:t>
+            </a:r>
+            <a:r>
+              <a:rPr lang="en-US" sz="1600" dirty="0" smtClean="0">
+                <a:solidFill>
+                  <a:srgbClr val="FF0000"/>
+                </a:solidFill>
+              </a:rPr>
+              <a:t>identical</a:t>
+            </a:r>
+            <a:endParaRPr lang="en-US" sz="1600" dirty="0">
+              <a:solidFill>
+                <a:srgbClr val="FF0000"/>
+              </a:solidFill>
+            </a:endParaRPr>
+          </a:p>
+        </p:txBody>
+      </p:sp>
+      <p:sp>
+        <p:nvSpPr>
+          <p:cNvPr id="7" name="Rectangle 3"/>
+          <p:cNvSpPr txBox="1">
+            <a:spLocks noChangeArrowheads="1"/>
+          </p:cNvSpPr>
+          <p:nvPr/>
+        </p:nvSpPr>
+        <p:spPr bwMode="auto">
+          <a:xfrm>
+            <a:off x="1167710" y="2854539"/>
+            <a:ext cx="7417471" cy="300832"/>
+          </a:xfrm>
+          <a:prstGeom prst="rect">
+            <a:avLst/>
+          </a:prstGeom>
+          <a:solidFill>
+            <a:schemeClr val="bg1"/>
+          </a:solidFill>
+          <a:ln>
+            <a:noFill/>
+          </a:ln>
+          <a:effectLst/>
+          <a:extLst>
+            <a:ext uri="{91240B29-F687-4F45-9708-019B960494DF}">
+              <a14:hiddenLine xmlns:a14="http://schemas.microsoft.com/office/drawing/2010/main" w="9525">
+                <a:solidFill>
+                  <a:schemeClr val="tx1"/>
+                </a:solidFill>
+                <a:miter lim="800000"/>
+                <a:headEnd/>
+                <a:tailEnd/>
+              </a14:hiddenLine>
+            </a:ext>
+            <a:ext uri="{AF507438-7753-43E0-B8FC-AC1667EBCBE1}">
+              <a14:hiddenEffects xmlns:a14="http://schemas.microsoft.com/office/drawing/2010/main">
+                <a:effectLst>
+                  <a:outerShdw blurRad="63500" dist="38099" dir="2700000" algn="ctr" rotWithShape="0">
+                    <a:schemeClr val="bg2">
+                      <a:alpha val="74998"/>
+                    </a:schemeClr>
+                  </a:outerShdw>
+                </a:effectLst>
+              </a14:hiddenEffects>
+            </a:ext>
+            <a:ext uri="{FAA26D3D-D897-4be2-8F04-BA451C77F1D7}"/>
+          </a:extLst>
+        </p:spPr>
+        <p:txBody>
+          <a:bodyPr vert="horz" wrap="square" lIns="91440" tIns="45720" rIns="91440" bIns="45720" numCol="1" anchor="t" anchorCtr="0" compatLnSpc="1">
+            <a:prstTxWarp prst="textNoShape">
+              <a:avLst/>
+            </a:prstTxWarp>
+          </a:bodyPr>
+          <a:lstStyle>
+            <a:lvl1pPr marL="342900" indent="-342900" algn="l" rtl="0" eaLnBrk="0" fontAlgn="base" hangingPunct="0">
+              <a:spcBef>
+                <a:spcPct val="20000"/>
+              </a:spcBef>
+              <a:spcAft>
+                <a:spcPct val="0"/>
+              </a:spcAft>
+              <a:buChar char="•"/>
+              <a:defRPr sz="2400" b="1">
+                <a:solidFill>
+                  <a:srgbClr val="A50021"/>
+                </a:solidFill>
+                <a:latin typeface="+mn-lt"/>
+                <a:ea typeface="+mn-ea"/>
+                <a:cs typeface="ＭＳ Ｐゴシック" charset="0"/>
+              </a:defRPr>
+            </a:lvl1pPr>
+            <a:lvl2pPr marL="742950" indent="-285750" algn="l" rtl="0" eaLnBrk="0" fontAlgn="base" hangingPunct="0">
+              <a:spcBef>
+                <a:spcPct val="20000"/>
+              </a:spcBef>
+              <a:spcAft>
+                <a:spcPct val="0"/>
+              </a:spcAft>
+              <a:buChar char="–"/>
+              <a:defRPr sz="2000">
+                <a:solidFill>
+                  <a:srgbClr val="000066"/>
+                </a:solidFill>
+                <a:latin typeface="+mn-lt"/>
+                <a:ea typeface="+mn-ea"/>
+              </a:defRPr>
+            </a:lvl2pPr>
+            <a:lvl3pPr marL="1143000" indent="-228600" algn="l" rtl="0" eaLnBrk="0" fontAlgn="base" hangingPunct="0">
+              <a:spcBef>
+                <a:spcPct val="20000"/>
+              </a:spcBef>
+              <a:spcAft>
+                <a:spcPct val="0"/>
+              </a:spcAft>
+              <a:buChar char="•"/>
+              <a:defRPr sz="1600">
+                <a:solidFill>
+                  <a:srgbClr val="000066"/>
+                </a:solidFill>
+                <a:latin typeface="+mn-lt"/>
+                <a:ea typeface="+mn-ea"/>
+              </a:defRPr>
+            </a:lvl3pPr>
+            <a:lvl4pPr marL="1600200" indent="-228600" algn="l" rtl="0" eaLnBrk="0" fontAlgn="base" hangingPunct="0">
+              <a:spcBef>
+                <a:spcPct val="20000"/>
+              </a:spcBef>
+              <a:spcAft>
+                <a:spcPct val="0"/>
+              </a:spcAft>
+              <a:buChar char="–"/>
+              <a:defRPr sz="1600">
+                <a:solidFill>
+                  <a:schemeClr val="tx1"/>
+                </a:solidFill>
+                <a:latin typeface="Times New Roman" charset="0"/>
+                <a:ea typeface="+mn-ea"/>
+              </a:defRPr>
+            </a:lvl4pPr>
+            <a:lvl5pPr marL="2057400" indent="-228600" algn="l" rtl="0" eaLnBrk="0" fontAlgn="base" hangingPunct="0">
+              <a:spcBef>
+                <a:spcPct val="20000"/>
+              </a:spcBef>
+              <a:spcAft>
+                <a:spcPct val="0"/>
+              </a:spcAft>
+              <a:buChar char="»"/>
+              <a:defRPr sz="1200">
+                <a:solidFill>
+                  <a:schemeClr val="tx1"/>
+                </a:solidFill>
+                <a:latin typeface="Times New Roman" charset="0"/>
+                <a:ea typeface="+mn-ea"/>
+              </a:defRPr>
+            </a:lvl5pPr>
+            <a:lvl6pPr marL="2514600" indent="-228600" algn="l" rtl="0" fontAlgn="base">
+              <a:spcBef>
+                <a:spcPct val="20000"/>
+              </a:spcBef>
+              <a:spcAft>
+                <a:spcPct val="0"/>
+              </a:spcAft>
+              <a:buChar char="»"/>
+              <a:defRPr sz="1200">
+                <a:solidFill>
+                  <a:schemeClr val="tx1"/>
+                </a:solidFill>
+                <a:latin typeface="Times New Roman" charset="0"/>
+                <a:ea typeface="+mn-ea"/>
+              </a:defRPr>
+            </a:lvl6pPr>
+            <a:lvl7pPr marL="2971800" indent="-228600" algn="l" rtl="0" fontAlgn="base">
+              <a:spcBef>
+                <a:spcPct val="20000"/>
+              </a:spcBef>
+              <a:spcAft>
+                <a:spcPct val="0"/>
+              </a:spcAft>
+              <a:buChar char="»"/>
+              <a:defRPr sz="1200">
+                <a:solidFill>
+                  <a:schemeClr val="tx1"/>
+                </a:solidFill>
+                <a:latin typeface="Times New Roman" charset="0"/>
+                <a:ea typeface="+mn-ea"/>
+              </a:defRPr>
+            </a:lvl7pPr>
+            <a:lvl8pPr marL="3429000" indent="-228600" algn="l" rtl="0" fontAlgn="base">
+              <a:spcBef>
+                <a:spcPct val="20000"/>
+              </a:spcBef>
+              <a:spcAft>
+                <a:spcPct val="0"/>
+              </a:spcAft>
+              <a:buChar char="»"/>
+              <a:defRPr sz="1200">
+                <a:solidFill>
+                  <a:schemeClr val="tx1"/>
+                </a:solidFill>
+                <a:latin typeface="Times New Roman" charset="0"/>
+                <a:ea typeface="+mn-ea"/>
+              </a:defRPr>
+            </a:lvl8pPr>
+            <a:lvl9pPr marL="3886200" indent="-228600" algn="l" rtl="0" fontAlgn="base">
+              <a:spcBef>
+                <a:spcPct val="20000"/>
+              </a:spcBef>
+              <a:spcAft>
+                <a:spcPct val="0"/>
+              </a:spcAft>
+              <a:buChar char="»"/>
+              <a:defRPr sz="1200">
+                <a:solidFill>
+                  <a:schemeClr val="tx1"/>
+                </a:solidFill>
+                <a:latin typeface="Times New Roman" charset="0"/>
+                <a:ea typeface="+mn-ea"/>
+              </a:defRPr>
+            </a:lvl9pPr>
+          </a:lstStyle>
+          <a:p>
+            <a:pPr marL="0" lvl="1" indent="0" defTabSz="560831">
+              <a:spcBef>
+                <a:spcPts val="300"/>
+              </a:spcBef>
+              <a:buNone/>
+              <a:defRPr sz="3072"/>
+            </a:pPr>
+            <a:r>
+              <a:rPr lang="en-US" sz="1600" dirty="0" smtClean="0">
+                <a:solidFill>
+                  <a:srgbClr val="FF0000"/>
+                </a:solidFill>
+              </a:rPr>
+              <a:t>The </a:t>
+            </a:r>
+            <a:r>
+              <a:rPr lang="en-US" sz="1600" dirty="0">
+                <a:solidFill>
+                  <a:srgbClr val="FF0000"/>
+                </a:solidFill>
+              </a:rPr>
+              <a:t>descriptions of similar things should be as identical</a:t>
+            </a:r>
           </a:p>
         </p:txBody>
       </p:sp>
@@ -11428,9 +11882,126 @@
   <p:timing>
     <p:tnLst>
       <p:par>
-        <p:cTn id="1" dur="indefinite" restart="never" nodeType="tmRoot"/>
+        <p:cTn id="1" dur="indefinite" restart="never" nodeType="tmRoot">
+          <p:childTnLst>
+            <p:seq concurrent="1" nextAc="seek">
+              <p:cTn id="2" dur="indefinite" nodeType="mainSeq">
+                <p:childTnLst>
+                  <p:par>
+                    <p:cTn id="3" fill="hold">
+                      <p:stCondLst>
+                        <p:cond delay="indefinite"/>
+                      </p:stCondLst>
+                      <p:childTnLst>
+                        <p:par>
+                          <p:cTn id="4" fill="hold">
+                            <p:stCondLst>
+                              <p:cond delay="0"/>
+                            </p:stCondLst>
+                            <p:childTnLst>
+                              <p:par>
+                                <p:cTn id="5" presetID="1" presetClass="entr" presetSubtype="0" fill="hold" grpId="0" nodeType="clickEffect">
+                                  <p:stCondLst>
+                                    <p:cond delay="0"/>
+                                  </p:stCondLst>
+                                  <p:childTnLst>
+                                    <p:set>
+                                      <p:cBhvr>
+                                        <p:cTn id="6" dur="1" fill="hold">
+                                          <p:stCondLst>
+                                            <p:cond delay="0"/>
+                                          </p:stCondLst>
+                                        </p:cTn>
+                                        <p:tgtEl>
+                                          <p:spTgt spid="6"/>
+                                        </p:tgtEl>
+                                        <p:attrNameLst>
+                                          <p:attrName>style.visibility</p:attrName>
+                                        </p:attrNameLst>
+                                      </p:cBhvr>
+                                      <p:to>
+                                        <p:strVal val="visible"/>
+                                      </p:to>
+                                    </p:set>
+                                  </p:childTnLst>
+                                </p:cTn>
+                              </p:par>
+                            </p:childTnLst>
+                          </p:cTn>
+                        </p:par>
+                      </p:childTnLst>
+                    </p:cTn>
+                  </p:par>
+                  <p:par>
+                    <p:cTn id="7" fill="hold">
+                      <p:stCondLst>
+                        <p:cond delay="indefinite"/>
+                      </p:stCondLst>
+                      <p:childTnLst>
+                        <p:par>
+                          <p:cTn id="8" fill="hold">
+                            <p:stCondLst>
+                              <p:cond delay="0"/>
+                            </p:stCondLst>
+                            <p:childTnLst>
+                              <p:par>
+                                <p:cTn id="9" presetID="1" presetClass="entr" presetSubtype="0" fill="hold" grpId="0" nodeType="clickEffect">
+                                  <p:stCondLst>
+                                    <p:cond delay="0"/>
+                                  </p:stCondLst>
+                                  <p:childTnLst>
+                                    <p:set>
+                                      <p:cBhvr>
+                                        <p:cTn id="10" dur="1" fill="hold">
+                                          <p:stCondLst>
+                                            <p:cond delay="0"/>
+                                          </p:stCondLst>
+                                        </p:cTn>
+                                        <p:tgtEl>
+                                          <p:spTgt spid="7"/>
+                                        </p:tgtEl>
+                                        <p:attrNameLst>
+                                          <p:attrName>style.visibility</p:attrName>
+                                        </p:attrNameLst>
+                                      </p:cBhvr>
+                                      <p:to>
+                                        <p:strVal val="visible"/>
+                                      </p:to>
+                                    </p:set>
+                                  </p:childTnLst>
+                                </p:cTn>
+                              </p:par>
+                            </p:childTnLst>
+                          </p:cTn>
+                        </p:par>
+                      </p:childTnLst>
+                    </p:cTn>
+                  </p:par>
+                </p:childTnLst>
+              </p:cTn>
+              <p:prevCondLst>
+                <p:cond evt="onPrev" delay="0">
+                  <p:tgtEl>
+                    <p:sldTgt/>
+                  </p:tgtEl>
+                </p:cond>
+              </p:prevCondLst>
+              <p:nextCondLst>
+                <p:cond evt="onNext" delay="0">
+                  <p:tgtEl>
+                    <p:sldTgt/>
+                  </p:tgtEl>
+                </p:cond>
+              </p:nextCondLst>
+            </p:seq>
+          </p:childTnLst>
+        </p:cTn>
       </p:par>
     </p:tnLst>
+    <p:bldLst>
+      <p:bldP spid="6" grpId="0" animBg="1"/>
+      <p:bldP spid="7" grpId="0" animBg="1"/>
+    </p:bldLst>
   </p:timing>
 </p:sld>
 </file>
@@ -11604,7 +12175,22 @@
             </a:pPr>
             <a:r>
               <a:rPr lang="en-US" sz="1600" dirty="0" smtClean="0"/>
-              <a:t>A lot of Danish phrases cannot be directly translated to English – check in an on-line dictionary (not "word book")</a:t>
+              <a:t>A lot of Danish phrases cannot be directly translated to English – check in </a:t>
+            </a:r>
+            <a:r>
+              <a:rPr lang="en-US" sz="1600" dirty="0" smtClean="0"/>
+              <a:t>an </a:t>
+            </a:r>
+            <a:br>
+              <a:rPr lang="en-US" sz="1600" dirty="0" smtClean="0"/>
+            </a:br>
+            <a:r>
+              <a:rPr lang="en-US" sz="1600" dirty="0" smtClean="0"/>
+              <a:t>on-line </a:t>
+            </a:r>
+            <a:r>
+              <a:rPr lang="en-US" sz="1600" dirty="0" smtClean="0"/>
+              <a:t>dictionary (not "word book")</a:t>
             </a:r>
           </a:p>
           <a:p>
@@ -16450,78 +17036,6 @@
                                           </p:stCondLst>
                                         </p:cTn>
                                         <p:tgtEl>
-                                          <p:spTgt spid="10"/>
-                                        </p:tgtEl>
-                                        <p:attrNameLst>
-                                          <p:attrName>style.visibility</p:attrName>
-                                        </p:attrNameLst>
-                                      </p:cBhvr>
-                                      <p:to>
-                                        <p:strVal val="visible"/>
-                                      </p:to>
-                                    </p:set>
-                                  </p:childTnLst>
-                                </p:cTn>
-                              </p:par>
-                              <p:par>
-                                <p:cTn id="7" presetID="1" presetClass="entr" presetSubtype="0" fill="hold" grpId="0" nodeType="withEffect">
-                                  <p:stCondLst>
-                                    <p:cond delay="0"/>
-                                  </p:stCondLst>
-                                  <p:childTnLst>
-                                    <p:set>
-                                      <p:cBhvr>
-                                        <p:cTn id="8" dur="1" fill="hold">
-                                          <p:stCondLst>
-                                            <p:cond delay="0"/>
-                                          </p:stCondLst>
-                                        </p:cTn>
-                                        <p:tgtEl>
-                                          <p:spTgt spid="11"/>
-                                        </p:tgtEl>
-                                        <p:attrNameLst>
-                                          <p:attrName>style.visibility</p:attrName>
-                                        </p:attrNameLst>
-                                      </p:cBhvr>
-                                      <p:to>
-                                        <p:strVal val="visible"/>
-                                      </p:to>
-                                    </p:set>
-                                  </p:childTnLst>
-                                </p:cTn>
-                              </p:par>
-                            </p:childTnLst>
-                          </p:cTn>
-                        </p:par>
-                      </p:childTnLst>
-                    </p:cTn>
-                  </p:par>
-                  <p:par>
-                    <p:cTn id="9" fill="hold">
-                      <p:stCondLst>
-                        <p:cond delay="indefinite"/>
-                      </p:stCondLst>
-                      <p:childTnLst>
-                        <p:par>
-                          <p:cTn id="10" fill="hold">
-                            <p:stCondLst>
-                              <p:cond delay="0"/>
-                            </p:stCondLst>
-                            <p:childTnLst>
-                              <p:par>
-                                <p:cTn id="11" presetID="1" presetClass="entr" presetSubtype="0" fill="hold" nodeType="clickEffect">
-                                  <p:stCondLst>
-                                    <p:cond delay="0"/>
-                                  </p:stCondLst>
-                                  <p:childTnLst>
-                                    <p:set>
-                                      <p:cBhvr>
-                                        <p:cTn id="12" dur="1" fill="hold">
-                                          <p:stCondLst>
-                                            <p:cond delay="0"/>
-                                          </p:stCondLst>
-                                        </p:cTn>
-                                        <p:tgtEl>
                                           <p:spTgt spid="6"/>
                                         </p:tgtEl>
                                         <p:attrNameLst>
@@ -16542,26 +17056,26 @@
                     </p:cTn>
                   </p:par>
                   <p:par>
-                    <p:cTn id="13" fill="hold">
+                    <p:cTn id="7" fill="hold">
                       <p:stCondLst>
                         <p:cond delay="indefinite"/>
                       </p:stCondLst>
                       <p:childTnLst>
                         <p:par>
-                          <p:cTn id="14" fill="hold">
+                          <p:cTn id="8" fill="hold">
                             <p:stCondLst>
                               <p:cond delay="0"/>
                             </p:stCondLst>
                             <p:childTnLst>
                               <p:par>
-                                <p:cTn id="15" presetID="1" presetClass="entr" presetSubtype="0" fill="hold" nodeType="clickEffect">
+                                <p:cTn id="9" presetID="1" presetClass="entr" presetSubtype="0" fill="hold" nodeType="clickEffect">
                                   <p:stCondLst>
                                     <p:cond delay="0"/>
                                   </p:stCondLst>
                                   <p:childTnLst>
                                     <p:set>
                                       <p:cBhvr>
-                                        <p:cTn id="16" dur="1" fill="hold">
+                                        <p:cTn id="10" dur="1" fill="hold">
                                           <p:stCondLst>
                                             <p:cond delay="0"/>
                                           </p:stCondLst>
@@ -16587,26 +17101,26 @@
                     </p:cTn>
                   </p:par>
                   <p:par>
-                    <p:cTn id="17" fill="hold">
+                    <p:cTn id="11" fill="hold">
                       <p:stCondLst>
                         <p:cond delay="indefinite"/>
                       </p:stCondLst>
                       <p:childTnLst>
                         <p:par>
-                          <p:cTn id="18" fill="hold">
+                          <p:cTn id="12" fill="hold">
                             <p:stCondLst>
                               <p:cond delay="0"/>
                             </p:stCondLst>
                             <p:childTnLst>
                               <p:par>
-                                <p:cTn id="19" presetID="1" presetClass="entr" presetSubtype="0" fill="hold" nodeType="clickEffect">
+                                <p:cTn id="13" presetID="1" presetClass="entr" presetSubtype="0" fill="hold" nodeType="clickEffect">
                                   <p:stCondLst>
                                     <p:cond delay="0"/>
                                   </p:stCondLst>
                                   <p:childTnLst>
                                     <p:set>
                                       <p:cBhvr>
-                                        <p:cTn id="20" dur="1" fill="hold">
+                                        <p:cTn id="14" dur="1" fill="hold">
                                           <p:stCondLst>
                                             <p:cond delay="0"/>
                                           </p:stCondLst>
@@ -16632,19 +17146,91 @@
                     </p:cTn>
                   </p:par>
                   <p:par>
-                    <p:cTn id="21" fill="hold">
+                    <p:cTn id="15" fill="hold">
                       <p:stCondLst>
                         <p:cond delay="indefinite"/>
                       </p:stCondLst>
                       <p:childTnLst>
                         <p:par>
-                          <p:cTn id="22" fill="hold">
+                          <p:cTn id="16" fill="hold">
                             <p:stCondLst>
                               <p:cond delay="0"/>
                             </p:stCondLst>
                             <p:childTnLst>
                               <p:par>
-                                <p:cTn id="23" presetID="1" presetClass="entr" presetSubtype="0" fill="hold" nodeType="clickEffect">
+                                <p:cTn id="17" presetID="1" presetClass="entr" presetSubtype="0" fill="hold" nodeType="clickEffect">
+                                  <p:stCondLst>
+                                    <p:cond delay="0"/>
+                                  </p:stCondLst>
+                                  <p:childTnLst>
+                                    <p:set>
+                                      <p:cBhvr>
+                                        <p:cTn id="18" dur="1" fill="hold">
+                                          <p:stCondLst>
+                                            <p:cond delay="0"/>
+                                          </p:stCondLst>
+                                        </p:cTn>
+                                        <p:tgtEl>
+                                          <p:spTgt spid="13"/>
+                                        </p:tgtEl>
+                                        <p:attrNameLst>
+                                          <p:attrName>style.visibility</p:attrName>
+                                        </p:attrNameLst>
+                                      </p:cBhvr>
+                                      <p:to>
+                                        <p:strVal val="visible"/>
+                                      </p:to>
+                                    </p:set>
+                                  </p:childTnLst>
+                                </p:cTn>
+                              </p:par>
+                            </p:childTnLst>
+                          </p:cTn>
+                        </p:par>
+                      </p:childTnLst>
+                    </p:cTn>
+                  </p:par>
+                  <p:par>
+                    <p:cTn id="19" fill="hold">
+                      <p:stCondLst>
+                        <p:cond delay="indefinite"/>
+                      </p:stCondLst>
+                      <p:childTnLst>
+                        <p:par>
+                          <p:cTn id="20" fill="hold">
+                            <p:stCondLst>
+                              <p:cond delay="0"/>
+                            </p:stCondLst>
+                            <p:childTnLst>
+                              <p:par>
+                                <p:cTn id="21" presetID="1" presetClass="entr" presetSubtype="0" fill="hold" grpId="0" nodeType="clickEffect">
+                                  <p:stCondLst>
+                                    <p:cond delay="0"/>
+                                  </p:stCondLst>
+                                  <p:childTnLst>
+                                    <p:set>
+                                      <p:cBhvr>
+                                        <p:cTn id="22" dur="1" fill="hold">
+                                          <p:stCondLst>
+                                            <p:cond delay="0"/>
+                                          </p:stCondLst>
+                                        </p:cTn>
+                                        <p:tgtEl>
+                                          <p:spTgt spid="14"/>
+                                        </p:tgtEl>
+                                        <p:attrNameLst>
+                                          <p:attrName>style.visibility</p:attrName>
+                                        </p:attrNameLst>
+                                      </p:cBhvr>
+                                      <p:to>
+                                        <p:strVal val="visible"/>
+                                      </p:to>
+                                    </p:set>
+                                  </p:childTnLst>
+                                </p:cTn>
+                              </p:par>
+                              <p:par>
+                                <p:cTn id="23" presetID="1" presetClass="entr" presetSubtype="0" fill="hold" nodeType="withEffect">
                                   <p:stCondLst>
                                     <p:cond delay="0"/>
                                   </p:stCondLst>
@@ -16657,7 +17243,7 @@
                                           </p:stCondLst>
                                         </p:cTn>
                                         <p:tgtEl>
-                                          <p:spTgt spid="13"/>
+                                          <p:spTgt spid="10261"/>
                                         </p:tgtEl>
                                         <p:attrNameLst>
                                           <p:attrName>style.visibility</p:attrName>
@@ -16689,7 +17275,7 @@
                             </p:stCondLst>
                             <p:childTnLst>
                               <p:par>
-                                <p:cTn id="27" presetID="1" presetClass="entr" presetSubtype="0" fill="hold" grpId="0" nodeType="clickEffect">
+                                <p:cTn id="27" presetID="1" presetClass="entr" presetSubtype="0" fill="hold" nodeType="clickEffect">
                                   <p:stCondLst>
                                     <p:cond delay="0"/>
                                   </p:stCondLst>
@@ -16702,7 +17288,7 @@
                                           </p:stCondLst>
                                         </p:cTn>
                                         <p:tgtEl>
-                                          <p:spTgt spid="14"/>
+                                          <p:spTgt spid="10262"/>
                                         </p:tgtEl>
                                         <p:attrNameLst>
                                           <p:attrName>style.visibility</p:attrName>
@@ -16747,7 +17333,7 @@
                                           </p:stCondLst>
                                         </p:cTn>
                                         <p:tgtEl>
-                                          <p:spTgt spid="10261"/>
+                                          <p:spTgt spid="10263"/>
                                         </p:tgtEl>
                                         <p:attrNameLst>
                                           <p:attrName>style.visibility</p:attrName>
@@ -16792,7 +17378,7 @@
                                           </p:stCondLst>
                                         </p:cTn>
                                         <p:tgtEl>
-                                          <p:spTgt spid="10262"/>
+                                          <p:spTgt spid="80"/>
                                         </p:tgtEl>
                                         <p:attrNameLst>
                                           <p:attrName>style.visibility</p:attrName>
@@ -16824,7 +17410,7 @@
                             </p:stCondLst>
                             <p:childTnLst>
                               <p:par>
-                                <p:cTn id="39" presetID="1" presetClass="entr" presetSubtype="0" fill="hold" nodeType="clickEffect">
+                                <p:cTn id="39" presetID="1" presetClass="entr" presetSubtype="0" fill="hold" grpId="0" nodeType="clickEffect">
                                   <p:stCondLst>
                                     <p:cond delay="0"/>
                                   </p:stCondLst>
@@ -16837,7 +17423,7 @@
                                           </p:stCondLst>
                                         </p:cTn>
                                         <p:tgtEl>
-                                          <p:spTgt spid="10263"/>
+                                          <p:spTgt spid="54"/>
                                         </p:tgtEl>
                                         <p:attrNameLst>
                                           <p:attrName>style.visibility</p:attrName>
@@ -16869,7 +17455,7 @@
                             </p:stCondLst>
                             <p:childTnLst>
                               <p:par>
-                                <p:cTn id="43" presetID="1" presetClass="entr" presetSubtype="0" fill="hold" nodeType="clickEffect">
+                                <p:cTn id="43" presetID="1" presetClass="entr" presetSubtype="0" fill="hold" grpId="0" nodeType="clickEffect">
                                   <p:stCondLst>
                                     <p:cond delay="0"/>
                                   </p:stCondLst>
@@ -16877,96 +17463,6 @@
                                     <p:set>
                                       <p:cBhvr>
                                         <p:cTn id="44" dur="1" fill="hold">
-                                          <p:stCondLst>
-                                            <p:cond delay="0"/>
-                                          </p:stCondLst>
-                                        </p:cTn>
-                                        <p:tgtEl>
-                                          <p:spTgt spid="80"/>
-                                        </p:tgtEl>
-                                        <p:attrNameLst>
-                                          <p:attrName>style.visibility</p:attrName>
-                                        </p:attrNameLst>
-                                      </p:cBhvr>
-                                      <p:to>
-                                        <p:strVal val="visible"/>
-                                      </p:to>
-                                    </p:set>
-                                  </p:childTnLst>
-                                </p:cTn>
-                              </p:par>
-                            </p:childTnLst>
-                          </p:cTn>
-                        </p:par>
-                      </p:childTnLst>
-                    </p:cTn>
-                  </p:par>
-                  <p:par>
-                    <p:cTn id="45" fill="hold">
-                      <p:stCondLst>
-                        <p:cond delay="indefinite"/>
-                      </p:stCondLst>
-                      <p:childTnLst>
-                        <p:par>
-                          <p:cTn id="46" fill="hold">
-                            <p:stCondLst>
-                              <p:cond delay="0"/>
-                            </p:stCondLst>
-                            <p:childTnLst>
-                              <p:par>
-                                <p:cTn id="47" presetID="1" presetClass="entr" presetSubtype="0" fill="hold" grpId="0" nodeType="clickEffect">
-                                  <p:stCondLst>
-                                    <p:cond delay="0"/>
-                                  </p:stCondLst>
-                                  <p:childTnLst>
-                                    <p:set>
-                                      <p:cBhvr>
-                                        <p:cTn id="48" dur="1" fill="hold">
-                                          <p:stCondLst>
-                                            <p:cond delay="0"/>
-                                          </p:stCondLst>
-                                        </p:cTn>
-                                        <p:tgtEl>
-                                          <p:spTgt spid="54"/>
-                                        </p:tgtEl>
-                                        <p:attrNameLst>
-                                          <p:attrName>style.visibility</p:attrName>
-                                        </p:attrNameLst>
-                                      </p:cBhvr>
-                                      <p:to>
-                                        <p:strVal val="visible"/>
-                                      </p:to>
-                                    </p:set>
-                                  </p:childTnLst>
-                                </p:cTn>
-                              </p:par>
-                            </p:childTnLst>
-                          </p:cTn>
-                        </p:par>
-                      </p:childTnLst>
-                    </p:cTn>
-                  </p:par>
-                  <p:par>
-                    <p:cTn id="49" fill="hold">
-                      <p:stCondLst>
-                        <p:cond delay="indefinite"/>
-                      </p:stCondLst>
-                      <p:childTnLst>
-                        <p:par>
-                          <p:cTn id="50" fill="hold">
-                            <p:stCondLst>
-                              <p:cond delay="0"/>
-                            </p:stCondLst>
-                            <p:childTnLst>
-                              <p:par>
-                                <p:cTn id="51" presetID="1" presetClass="entr" presetSubtype="0" fill="hold" grpId="0" nodeType="clickEffect">
-                                  <p:stCondLst>
-                                    <p:cond delay="0"/>
-                                  </p:stCondLst>
-                                  <p:childTnLst>
-                                    <p:set>
-                                      <p:cBhvr>
-                                        <p:cTn id="52" dur="1" fill="hold">
                                           <p:stCondLst>
                                             <p:cond delay="0"/>
                                           </p:stCondLst>
@@ -17013,7 +17509,6 @@
       </p:par>
     </p:tnLst>
     <p:bldLst>
-      <p:bldP spid="11" grpId="0"/>
       <p:bldP spid="14" grpId="0"/>
       <p:bldP spid="54" grpId="0" animBg="1"/>
       <p:bldP spid="55" grpId="0" animBg="1"/>
@@ -17861,8 +18356,36 @@
               <a:t>you focus primarily on </a:t>
             </a:r>
             <a:r>
+              <a:rPr lang="en-GB" altLang="da-DK" sz="1600" b="1" dirty="0" smtClean="0">
+                <a:solidFill>
+                  <a:srgbClr val="008000"/>
+                </a:solidFill>
+              </a:rPr>
+              <a:t>grammatical errors</a:t>
+            </a:r>
+          </a:p>
+          <a:p>
+            <a:pPr marL="728663" lvl="1" indent="-271463" defTabSz="560831">
+              <a:spcBef>
+                <a:spcPts val="300"/>
+              </a:spcBef>
+              <a:defRPr sz="3072"/>
+            </a:pPr>
+            <a:r>
               <a:rPr lang="en-GB" altLang="da-DK" sz="1600" b="1" dirty="0" smtClean="0"/>
-              <a:t>grammatical errors</a:t>
+              <a:t>In one round, you focus om </a:t>
+            </a:r>
+            <a:r>
+              <a:rPr lang="en-GB" altLang="da-DK" sz="1600" b="1" dirty="0" smtClean="0">
+                <a:solidFill>
+                  <a:srgbClr val="008000"/>
+                </a:solidFill>
+              </a:rPr>
+              <a:t>simplification</a:t>
+            </a:r>
+            <a:r>
+              <a:rPr lang="en-GB" altLang="da-DK" sz="1600" b="1" dirty="0" smtClean="0"/>
+              <a:t> of the text (short sentences etc.)</a:t>
             </a:r>
           </a:p>
           <a:p>
@@ -17873,8 +18396,20 @@
               <a:defRPr sz="3072"/>
             </a:pPr>
             <a:r>
-              <a:rPr lang="en-GB" altLang="da-DK" sz="1600" b="1" dirty="0" smtClean="0"/>
-              <a:t>In one round, you focus om simplification of the text (short sentences etc.)</a:t>
+              <a:rPr lang="en-GB" altLang="da-DK" sz="1600" b="1" dirty="0"/>
+              <a:t>In one round, you check that you use the </a:t>
+            </a:r>
+            <a:r>
+              <a:rPr lang="en-GB" altLang="da-DK" sz="1600" b="1" dirty="0">
+                <a:solidFill>
+                  <a:srgbClr val="008000"/>
+                </a:solidFill>
+              </a:rPr>
+              <a:t>terminology</a:t>
+            </a:r>
+            <a:r>
+              <a:rPr lang="en-GB" altLang="da-DK" sz="1600" b="1" dirty="0"/>
+              <a:t>, you have introduced</a:t>
             </a:r>
           </a:p>
           <a:p>
@@ -17886,7 +18421,15 @@
             </a:pPr>
             <a:r>
               <a:rPr lang="en-GB" altLang="da-DK" sz="1600" b="1" dirty="0"/>
-              <a:t>In one round, you check that you use the terminology, you have introduced</a:t>
+              <a:t>In one round, you check all your </a:t>
+            </a:r>
+            <a:r>
+              <a:rPr lang="en-GB" altLang="da-DK" sz="1600" b="1" dirty="0">
+                <a:solidFill>
+                  <a:srgbClr val="008000"/>
+                </a:solidFill>
+              </a:rPr>
+              <a:t>proofs</a:t>
             </a:r>
           </a:p>
           <a:p>
@@ -17897,8 +18440,20 @@
               <a:defRPr sz="3072"/>
             </a:pPr>
             <a:r>
-              <a:rPr lang="en-GB" altLang="da-DK" sz="1600" b="1" dirty="0"/>
-              <a:t>In one round, you check all your proofs</a:t>
+              <a:rPr lang="en-GB" altLang="da-DK" sz="1600" dirty="0"/>
+              <a:t>In one round, you check the </a:t>
+            </a:r>
+            <a:r>
+              <a:rPr lang="en-GB" altLang="da-DK" sz="1600" b="1" dirty="0">
+                <a:solidFill>
+                  <a:srgbClr val="008000"/>
+                </a:solidFill>
+              </a:rPr>
+              <a:t>layout</a:t>
+            </a:r>
+            <a:r>
+              <a:rPr lang="en-GB" altLang="da-DK" sz="1600" dirty="0"/>
+              <a:t> of your paper, e.g. whether the tables and figures are positioned in such a way that you can see them, while you read the explanation of them</a:t>
             </a:r>
           </a:p>
           <a:p>
@@ -17910,7 +18465,27 @@
             </a:pPr>
             <a:r>
               <a:rPr lang="en-GB" altLang="da-DK" sz="1600" dirty="0"/>
-              <a:t>In one round, you check the layout of your paper, e.g. whether the tables and figures are positioned in such a way that you can see them, while you read the explanation of them</a:t>
+              <a:t>In one round, you check all your </a:t>
+            </a:r>
+            <a:r>
+              <a:rPr lang="en-GB" altLang="da-DK" sz="1600" b="1" dirty="0">
+                <a:solidFill>
+                  <a:srgbClr val="008000"/>
+                </a:solidFill>
+              </a:rPr>
+              <a:t>tables</a:t>
+            </a:r>
+            <a:r>
+              <a:rPr lang="en-GB" altLang="da-DK" sz="1600" dirty="0"/>
+              <a:t> and </a:t>
+            </a:r>
+            <a:r>
+              <a:rPr lang="en-GB" altLang="da-DK" sz="1600" b="1" dirty="0">
+                <a:solidFill>
+                  <a:srgbClr val="008000"/>
+                </a:solidFill>
+              </a:rPr>
+              <a:t>figures</a:t>
             </a:r>
           </a:p>
           <a:p>
@@ -17922,7 +18497,19 @@
             </a:pPr>
             <a:r>
               <a:rPr lang="en-GB" altLang="da-DK" sz="1600" dirty="0"/>
-              <a:t>In one round, you check all your tables and figures</a:t>
+              <a:t>In one round, you check that all </a:t>
+            </a:r>
+            <a:r>
+              <a:rPr lang="en-GB" altLang="da-DK" sz="1600" b="1" dirty="0">
+                <a:solidFill>
+                  <a:srgbClr val="008000"/>
+                </a:solidFill>
+              </a:rPr>
+              <a:t>section headings</a:t>
+            </a:r>
+            <a:r>
+              <a:rPr lang="en-GB" altLang="da-DK" sz="1600" dirty="0"/>
+              <a:t> are consistent</a:t>
             </a:r>
           </a:p>
           <a:p>
@@ -17934,7 +18521,15 @@
             </a:pPr>
             <a:r>
               <a:rPr lang="en-GB" altLang="da-DK" sz="1600" dirty="0"/>
-              <a:t>In one round, you check that all section headings are consistent</a:t>
+              <a:t>In one round, you check all your </a:t>
+            </a:r>
+            <a:r>
+              <a:rPr lang="en-GB" altLang="da-DK" sz="1600" b="1" dirty="0">
+                <a:solidFill>
+                  <a:srgbClr val="008000"/>
+                </a:solidFill>
+              </a:rPr>
+              <a:t>references</a:t>
             </a:r>
           </a:p>
           <a:p>
@@ -17945,20 +18540,20 @@
               <a:defRPr sz="3072"/>
             </a:pPr>
             <a:r>
-              <a:rPr lang="en-GB" altLang="da-DK" sz="1600" dirty="0"/>
-              <a:t>In one round, you check all your references</a:t>
-            </a:r>
-          </a:p>
-          <a:p>
-            <a:pPr marL="728663" lvl="1" indent="-271463" defTabSz="560831">
-              <a:spcBef>
-                <a:spcPts val="300"/>
-              </a:spcBef>
-              <a:defRPr sz="3072"/>
-            </a:pPr>
-            <a:r>
               <a:rPr lang="en-GB" altLang="da-DK" sz="1600" dirty="0" smtClean="0"/>
-              <a:t>In one round, you focus on punctuation (commas and full stops)</a:t>
+              <a:t>In one round, you focus on </a:t>
+            </a:r>
+            <a:r>
+              <a:rPr lang="en-GB" altLang="da-DK" sz="1600" b="1" dirty="0">
+                <a:solidFill>
+                  <a:srgbClr val="008000"/>
+                </a:solidFill>
+              </a:rPr>
+              <a:t>punctuation</a:t>
+            </a:r>
+            <a:r>
+              <a:rPr lang="en-GB" altLang="da-DK" sz="1600" dirty="0" smtClean="0"/>
+              <a:t> (commas and full stops)</a:t>
             </a:r>
             <a:endParaRPr lang="en-GB" altLang="da-DK" sz="1600" dirty="0"/>
           </a:p>
@@ -22210,13 +22805,13 @@
               <a:buAutoNum type="arabicParenR"/>
             </a:pPr>
             <a:r>
-              <a:rPr lang="en-GB" altLang="da-DK" sz="1600" b="1" dirty="0" smtClean="0">
+              <a:rPr lang="en-GB" altLang="da-DK" sz="1600" b="1" dirty="0">
                 <a:solidFill>
                   <a:srgbClr val="A50021"/>
                 </a:solidFill>
                 <a:cs typeface="ＭＳ Ｐゴシック" charset="0"/>
               </a:rPr>
-              <a:t>Write everything down before you forget</a:t>
+              <a:t>Use the comments given to you – people want to help, not annoy you</a:t>
             </a:r>
           </a:p>
           <a:p>
@@ -22234,7 +22829,7 @@
                 </a:solidFill>
                 <a:cs typeface="ＭＳ Ｐゴシック" charset="0"/>
               </a:rPr>
-              <a:t>Have enough time to finish the report – language and grammar do count</a:t>
+              <a:t>Do not make postulates – detailed arguments are needed</a:t>
             </a:r>
           </a:p>
           <a:p>
@@ -22252,7 +22847,7 @@
                 </a:solidFill>
                 <a:cs typeface="ＭＳ Ｐゴシック" charset="0"/>
               </a:rPr>
-              <a:t>Do not postpone all proofreading to the end; your drafts should also be readable</a:t>
+              <a:t>Write everything down before you forget</a:t>
             </a:r>
           </a:p>
           <a:p>
@@ -22270,7 +22865,16 @@
                 </a:solidFill>
                 <a:cs typeface="ＭＳ Ｐゴシック" charset="0"/>
               </a:rPr>
-              <a:t>Use the comments given to you – people want to help, not annoy you</a:t>
+              <a:t>Have </a:t>
+            </a:r>
+            <a:r>
+              <a:rPr lang="en-GB" altLang="da-DK" sz="1600" b="1" dirty="0">
+                <a:solidFill>
+                  <a:srgbClr val="A50021"/>
+                </a:solidFill>
+                <a:cs typeface="ＭＳ Ｐゴシック" charset="0"/>
+              </a:rPr>
+              <a:t>enough time to finish the report – language and grammar do count</a:t>
             </a:r>
           </a:p>
           <a:p>
@@ -22288,32 +22892,8 @@
                 </a:solidFill>
                 <a:cs typeface="ＭＳ Ｐゴシック" charset="0"/>
               </a:rPr>
-              <a:t>Do not make </a:t>
-            </a:r>
-            <a:r>
-              <a:rPr lang="en-GB" altLang="da-DK" sz="1600" b="1" dirty="0">
-                <a:solidFill>
-                  <a:srgbClr val="A50021"/>
-                </a:solidFill>
-                <a:cs typeface="ＭＳ Ｐゴシック" charset="0"/>
-              </a:rPr>
-              <a:t>postulates – </a:t>
-            </a:r>
-            <a:r>
-              <a:rPr lang="en-GB" altLang="da-DK" sz="1600" b="1" dirty="0" smtClean="0">
-                <a:solidFill>
-                  <a:srgbClr val="A50021"/>
-                </a:solidFill>
-                <a:cs typeface="ＭＳ Ｐゴシック" charset="0"/>
-              </a:rPr>
-              <a:t>detailed arguments are needed</a:t>
-            </a:r>
-            <a:endParaRPr lang="en-GB" altLang="da-DK" sz="1600" b="1" dirty="0">
-              <a:solidFill>
-                <a:srgbClr val="A50021"/>
-              </a:solidFill>
-              <a:cs typeface="ＭＳ Ｐゴシック" charset="0"/>
-            </a:endParaRPr>
+              <a:t>Do not postpone all proofreading to the end; your drafts should also be readable</a:t>
+            </a:r>
           </a:p>
           <a:p>
             <a:pPr marL="447675" lvl="1" indent="-447675">
@@ -22330,16 +22910,7 @@
                 </a:solidFill>
                 <a:cs typeface="ＭＳ Ｐゴシック" charset="0"/>
               </a:rPr>
-              <a:t>Two </a:t>
-            </a:r>
-            <a:r>
-              <a:rPr lang="en-GB" altLang="da-DK" sz="1600" b="1" dirty="0">
-                <a:solidFill>
-                  <a:srgbClr val="A50021"/>
-                </a:solidFill>
-                <a:cs typeface="ＭＳ Ｐゴシック" charset="0"/>
-              </a:rPr>
-              <a:t>or three good results are better than 10 vague</a:t>
+              <a:t>Two or three good results are better than 10 vague</a:t>
             </a:r>
           </a:p>
           <a:p>
@@ -22357,7 +22928,16 @@
                 </a:solidFill>
                 <a:cs typeface="ＭＳ Ｐゴシック" charset="0"/>
               </a:rPr>
-              <a:t>Do not </a:t>
+              <a:t>Do </a:t>
+            </a:r>
+            <a:r>
+              <a:rPr lang="en-GB" altLang="da-DK" sz="1600" b="1" dirty="0" smtClean="0">
+                <a:solidFill>
+                  <a:srgbClr val="A50021"/>
+                </a:solidFill>
+                <a:cs typeface="ＭＳ Ｐゴシック" charset="0"/>
+              </a:rPr>
+              <a:t>not </a:t>
             </a:r>
             <a:r>
               <a:rPr lang="en-GB" altLang="da-DK" sz="1600" b="1" dirty="0">
@@ -23990,36 +24570,16 @@
             <a:r>
               <a:rPr lang="en-GB" sz="1500" b="1" kern="1200" dirty="0" smtClean="0">
                 <a:solidFill>
-                  <a:srgbClr val="008000"/>
+                  <a:srgbClr val="FF0000"/>
                 </a:solidFill>
                 <a:latin typeface="Arial" pitchFamily="34" charset="0"/>
                 <a:ea typeface="ＭＳ Ｐゴシック" pitchFamily="34" charset="-128"/>
               </a:rPr>
-              <a:t>Monday June </a:t>
-            </a:r>
-            <a:r>
-              <a:rPr lang="en-GB" sz="1500" b="1" kern="1200" dirty="0" smtClean="0">
-                <a:solidFill>
-                  <a:srgbClr val="008000"/>
-                </a:solidFill>
-                <a:latin typeface="Arial" pitchFamily="34" charset="0"/>
-                <a:ea typeface="ＭＳ Ｐゴシック" pitchFamily="34" charset="-128"/>
-              </a:rPr>
-              <a:t>10 </a:t>
-            </a:r>
-            <a:r>
-              <a:rPr lang="en-GB" sz="1500" b="1" kern="1200" dirty="0" smtClean="0">
-                <a:solidFill>
-                  <a:srgbClr val="008000"/>
-                </a:solidFill>
-                <a:latin typeface="Arial" pitchFamily="34" charset="0"/>
-                <a:ea typeface="ＭＳ Ｐゴシック" pitchFamily="34" charset="-128"/>
-              </a:rPr>
-              <a:t>at 13.00</a:t>
+              <a:t>Tuesday June 10 at 13.00</a:t>
             </a:r>
             <a:endParaRPr lang="en-GB" sz="1500" kern="1200" dirty="0" smtClean="0">
               <a:solidFill>
-                <a:srgbClr val="008000"/>
+                <a:srgbClr val="FF0000"/>
               </a:solidFill>
               <a:latin typeface="Arial" pitchFamily="34" charset="0"/>
               <a:ea typeface="ＭＳ Ｐゴシック" pitchFamily="34" charset="-128"/>
@@ -29856,7 +30416,7 @@
         <p:spPr bwMode="auto">
           <a:xfrm>
             <a:off x="6660232" y="2924944"/>
-            <a:ext cx="2369216" cy="1117447"/>
+            <a:ext cx="2369216" cy="906827"/>
           </a:xfrm>
           <a:prstGeom prst="rect">
             <a:avLst/>
@@ -30036,7 +30596,15 @@
                   <a:srgbClr val="0000FF"/>
                 </a:solidFill>
               </a:rPr>
-              <a:t>Very extensive and useful material</a:t>
+              <a:t>Extensive </a:t>
+            </a:r>
+            <a:r>
+              <a:rPr lang="en-GB" altLang="da-DK" sz="1200" kern="0" dirty="0" smtClean="0">
+                <a:solidFill>
+                  <a:srgbClr val="0000FF"/>
+                </a:solidFill>
+              </a:rPr>
+              <a:t>and useful material</a:t>
             </a:r>
             <a:endParaRPr lang="en-GB" altLang="da-DK" sz="1200" kern="0" dirty="0" smtClean="0">
               <a:solidFill>
@@ -30098,7 +30666,7 @@
         </p:nvSpPr>
         <p:spPr bwMode="auto">
           <a:xfrm>
-            <a:off x="6691869" y="4221089"/>
+            <a:off x="6674452" y="3968540"/>
             <a:ext cx="2369216" cy="504056"/>
           </a:xfrm>
           <a:prstGeom prst="rect">
@@ -37751,4 +38319,304 @@
   </a:objectDefaults>
   <a:extraClrSchemeLst/>
 </a:theme>
+</file>
+
+<file path=customXml/item1.xml><?xml version="1.0" encoding="utf-8"?>
+<p:properties xmlns:p="http://schemas.microsoft.com/office/2006/metadata/properties" xmlns:xsi="http://www.w3.org/2001/XMLSchema-instance" xmlns:pc="http://schemas.microsoft.com/office/infopath/2007/PartnerControls">
+  <documentManagement>
+    <_activity xmlns="f659a008-7c21-4ee3-a745-e38581e13101" xsi:nil="true"/>
+  </documentManagement>
+</p:properties>
+</file>
+
+<file path=customXml/item2.xml><?xml version="1.0" encoding="utf-8"?>
+<ct:contentTypeSchema xmlns:ct="http://schemas.microsoft.com/office/2006/metadata/contentType" xmlns:ma="http://schemas.microsoft.com/office/2006/metadata/properties/metaAttributes" ct:_="" ma:_="" ma:contentTypeName="Dokument" ma:contentTypeID="0x01010056836BC33D1E5846BD77C269C61838DB" ma:contentTypeVersion="16" ma:contentTypeDescription="Opret et nyt dokument." ma:contentTypeScope="" ma:versionID="ef3cc48880d2d4424b772cc9d47831bb">
+  <xsd:schema xmlns:xsd="http://www.w3.org/2001/XMLSchema" xmlns:xs="http://www.w3.org/2001/XMLSchema" xmlns:p="http://schemas.microsoft.com/office/2006/metadata/properties" xmlns:ns3="f659a008-7c21-4ee3-a745-e38581e13101" xmlns:ns4="e064323b-8959-406a-a3e9-bb6e93638192" targetNamespace="http://schemas.microsoft.com/office/2006/metadata/properties" ma:root="true" ma:fieldsID="f385e854457ff68500d83ba1a633310b" ns3:_="" ns4:_="">
+    <xsd:import namespace="f659a008-7c21-4ee3-a745-e38581e13101"/>
+    <xsd:import namespace="e064323b-8959-406a-a3e9-bb6e93638192"/>
+    <xsd:element name="properties">
+      <xsd:complexType>
+        <xsd:sequence>
+          <xsd:element name="documentManagement">
+            <xsd:complexType>
+              <xsd:all>
+                <xsd:element ref="ns3:MediaServiceMetadata" minOccurs="0"/>
+                <xsd:element ref="ns3:MediaServiceFastMetadata" minOccurs="0"/>
+                <xsd:element ref="ns3:MediaServiceDateTaken" minOccurs="0"/>
+                <xsd:element ref="ns3:MediaLengthInSeconds" minOccurs="0"/>
+                <xsd:element ref="ns4:SharedWithUsers" minOccurs="0"/>
+                <xsd:element ref="ns4:SharedWithDetails" minOccurs="0"/>
+                <xsd:element ref="ns4:SharingHintHash" minOccurs="0"/>
+                <xsd:element ref="ns3:MediaServiceAutoTags" minOccurs="0"/>
+                <xsd:element ref="ns3:_activity" minOccurs="0"/>
+                <xsd:element ref="ns3:MediaServiceObjectDetectorVersions" minOccurs="0"/>
+                <xsd:element ref="ns3:MediaServiceGenerationTime" minOccurs="0"/>
+                <xsd:element ref="ns3:MediaServiceEventHashCode" minOccurs="0"/>
+                <xsd:element ref="ns3:MediaServiceSystemTags" minOccurs="0"/>
+                <xsd:element ref="ns3:MediaServiceLocation" minOccurs="0"/>
+                <xsd:element ref="ns3:MediaServiceOCR" minOccurs="0"/>
+                <xsd:element ref="ns3:MediaServiceSearchProperties" minOccurs="0"/>
+              </xsd:all>
+            </xsd:complexType>
+          </xsd:element>
+        </xsd:sequence>
+      </xsd:complexType>
+    </xsd:element>
+  </xsd:schema>
+  <xsd:schema xmlns:xsd="http://www.w3.org/2001/XMLSchema" xmlns:xs="http://www.w3.org/2001/XMLSchema" xmlns:dms="http://schemas.microsoft.com/office/2006/documentManagement/types" xmlns:pc="http://schemas.microsoft.com/office/infopath/2007/PartnerControls" targetNamespace="f659a008-7c21-4ee3-a745-e38581e13101" elementFormDefault="qualified">
+    <xsd:import namespace="http://schemas.microsoft.com/office/2006/documentManagement/types"/>
+    <xsd:import namespace="http://schemas.microsoft.com/office/infopath/2007/PartnerControls"/>
+    <xsd:element name="MediaServiceMetadata" ma:index="8" nillable="true" ma:displayName="MediaServiceMetadata" ma:hidden="true" ma:internalName="MediaServiceMetadata" ma:readOnly="true">
+      <xsd:simpleType>
+        <xsd:restriction base="dms:Note"/>
+      </xsd:simpleType>
+    </xsd:element>
+    <xsd:element name="MediaServiceFastMetadata" ma:index="9" nillable="true" ma:displayName="MediaServiceFastMetadata" ma:hidden="true" ma:internalName="MediaServiceFastMetadata" ma:readOnly="true">
+      <xsd:simpleType>
+        <xsd:restriction base="dms:Note"/>
+      </xsd:simpleType>
+    </xsd:element>
+    <xsd:element name="MediaServiceDateTaken" ma:index="10" nillable="true" ma:displayName="MediaServiceDateTaken" ma:hidden="true" ma:internalName="MediaServiceDateTaken" ma:readOnly="true">
+      <xsd:simpleType>
+        <xsd:restriction base="dms:Text"/>
+      </xsd:simpleType>
+    </xsd:element>
+    <xsd:element name="MediaLengthInSeconds" ma:index="11" nillable="true" ma:displayName="MediaLengthInSeconds" ma:hidden="true" ma:internalName="MediaLengthInSeconds" ma:readOnly="true">
+      <xsd:simpleType>
+        <xsd:restriction base="dms:Unknown"/>
+      </xsd:simpleType>
+    </xsd:element>
+    <xsd:element name="MediaServiceAutoTags" ma:index="15" nillable="true" ma:displayName="Tags" ma:internalName="MediaServiceAutoTags" ma:readOnly="true">
+      <xsd:simpleType>
+        <xsd:restriction base="dms:Text"/>
+      </xsd:simpleType>
+    </xsd:element>
+    <xsd:element name="_activity" ma:index="16" nillable="true" ma:displayName="_activity" ma:hidden="true" ma:internalName="_activity">
+      <xsd:simpleType>
+        <xsd:restriction base="dms:Note"/>
+      </xsd:simpleType>
+    </xsd:element>
+    <xsd:element name="MediaServiceObjectDetectorVersions" ma:index="17" nillable="true" ma:displayName="MediaServiceObjectDetectorVersions" ma:hidden="true" ma:indexed="true" ma:internalName="MediaServiceObjectDetectorVersions" ma:readOnly="true">
+      <xsd:simpleType>
+        <xsd:restriction base="dms:Text"/>
+      </xsd:simpleType>
+    </xsd:element>
+    <xsd:element name="MediaServiceGenerationTime" ma:index="18" nillable="true" ma:displayName="MediaServiceGenerationTime" ma:hidden="true" ma:internalName="MediaServiceGenerationTime" ma:readOnly="true">
+      <xsd:simpleType>
+        <xsd:restriction base="dms:Text"/>
+      </xsd:simpleType>
+    </xsd:element>
+    <xsd:element name="MediaServiceEventHashCode" ma:index="19" nillable="true" ma:displayName="MediaServiceEventHashCode" ma:hidden="true" ma:internalName="MediaServiceEventHashCode" ma:readOnly="true">
+      <xsd:simpleType>
+        <xsd:restriction base="dms:Text"/>
+      </xsd:simpleType>
+    </xsd:element>
+    <xsd:element name="MediaServiceSystemTags" ma:index="20" nillable="true" ma:displayName="MediaServiceSystemTags" ma:hidden="true" ma:internalName="MediaServiceSystemTags" ma:readOnly="true">
+      <xsd:simpleType>
+        <xsd:restriction base="dms:Note"/>
+      </xsd:simpleType>
+    </xsd:element>
+    <xsd:element name="MediaServiceLocation" ma:index="21" nillable="true" ma:displayName="Location" ma:indexed="true" ma:internalName="MediaServiceLocation" ma:readOnly="true">
+      <xsd:simpleType>
+        <xsd:restriction base="dms:Text"/>
+      </xsd:simpleType>
+    </xsd:element>
+    <xsd:element name="MediaServiceOCR" ma:index="22" nillable="true" ma:displayName="Extracted Text" ma:internalName="MediaServiceOCR" ma:readOnly="true">
+      <xsd:simpleType>
+        <xsd:restriction base="dms:Note">
+          <xsd:maxLength value="255"/>
+        </xsd:restriction>
+      </xsd:simpleType>
+    </xsd:element>
+    <xsd:element name="MediaServiceSearchProperties" ma:index="23" nillable="true" ma:displayName="MediaServiceSearchProperties" ma:hidden="true" ma:internalName="MediaServiceSearchProperties" ma:readOnly="true">
+      <xsd:simpleType>
+        <xsd:restriction base="dms:Note"/>
+      </xsd:simpleType>
+    </xsd:element>
+  </xsd:schema>
+  <xsd:schema xmlns:xsd="http://www.w3.org/2001/XMLSchema" xmlns:xs="http://www.w3.org/2001/XMLSchema" xmlns:dms="http://schemas.microsoft.com/office/2006/documentManagement/types" xmlns:pc="http://schemas.microsoft.com/office/infopath/2007/PartnerControls" targetNamespace="e064323b-8959-406a-a3e9-bb6e93638192" elementFormDefault="qualified">
+    <xsd:import namespace="http://schemas.microsoft.com/office/2006/documentManagement/types"/>
+    <xsd:import namespace="http://schemas.microsoft.com/office/infopath/2007/PartnerControls"/>
+    <xsd:element name="SharedWithUsers" ma:index="12" nillable="true" ma:displayName="Delt med" ma:internalName="SharedWithUsers" ma:readOnly="true">
+      <xsd:complexType>
+        <xsd:complexContent>
+          <xsd:extension base="dms:UserMulti">
+            <xsd:sequence>
+              <xsd:element name="UserInfo" minOccurs="0" maxOccurs="unbounded">
+                <xsd:complexType>
+                  <xsd:sequence>
+                    <xsd:element name="DisplayName" type="xsd:string" minOccurs="0"/>
+                    <xsd:element name="AccountId" type="dms:UserId" minOccurs="0" nillable="true"/>
+                    <xsd:element name="AccountType" type="xsd:string" minOccurs="0"/>
+                  </xsd:sequence>
+                </xsd:complexType>
+              </xsd:element>
+            </xsd:sequence>
+          </xsd:extension>
+        </xsd:complexContent>
+      </xsd:complexType>
+    </xsd:element>
+    <xsd:element name="SharedWithDetails" ma:index="13" nillable="true" ma:displayName="Delt med detaljer" ma:internalName="SharedWithDetails" ma:readOnly="true">
+      <xsd:simpleType>
+        <xsd:restriction base="dms:Note">
+          <xsd:maxLength value="255"/>
+        </xsd:restriction>
+      </xsd:simpleType>
+    </xsd:element>
+    <xsd:element name="SharingHintHash" ma:index="14" nillable="true" ma:displayName="Hashværdi for deling" ma:hidden="true" ma:internalName="SharingHintHash" ma:readOnly="true">
+      <xsd:simpleType>
+        <xsd:restriction base="dms:Text"/>
+      </xsd:simpleType>
+    </xsd:element>
+  </xsd:schema>
+  <xsd:schema xmlns="http://schemas.openxmlformats.org/package/2006/metadata/core-properties" xmlns:xsd="http://www.w3.org/2001/XMLSchema" xmlns:xsi="http://www.w3.org/2001/XMLSchema-instance" xmlns:dc="http://purl.org/dc/elements/1.1/" xmlns:dcterms="http://purl.org/dc/terms/" xmlns:odoc="http://schemas.microsoft.com/internal/obd" targetNamespace="http://schemas.openxmlformats.org/package/2006/metadata/core-properties" elementFormDefault="qualified" attributeFormDefault="unqualified" blockDefault="#all">
+    <xsd:import namespace="http://purl.org/dc/elements/1.1/" schemaLocation="http://dublincore.org/schemas/xmls/qdc/2003/04/02/dc.xsd"/>
+    <xsd:import namespace="http://purl.org/dc/terms/" schemaLocation="http://dublincore.org/schemas/xmls/qdc/2003/04/02/dcterms.xsd"/>
+    <xsd:element name="coreProperties" type="CT_coreProperties"/>
+    <xsd:complexType name="CT_coreProperties">
+      <xsd:all>
+        <xsd:element ref="dc:creator" minOccurs="0" maxOccurs="1"/>
+        <xsd:element ref="dcterms:created" minOccurs="0" maxOccurs="1"/>
+        <xsd:element ref="dc:identifier" minOccurs="0" maxOccurs="1"/>
+        <xsd:element name="contentType" minOccurs="0" maxOccurs="1" type="xsd:string" ma:index="0" ma:displayName="Indholdstype"/>
+        <xsd:element ref="dc:title" minOccurs="0" maxOccurs="1" ma:index="4" ma:displayName="Titel"/>
+        <xsd:element ref="dc:subject" minOccurs="0" maxOccurs="1"/>
+        <xsd:element ref="dc:description" minOccurs="0" maxOccurs="1"/>
+        <xsd:element name="keywords" minOccurs="0" maxOccurs="1" type="xsd:string"/>
+        <xsd:element ref="dc:language" minOccurs="0" maxOccurs="1"/>
+        <xsd:element name="category" minOccurs="0" maxOccurs="1" type="xsd:string"/>
+        <xsd:element name="version" minOccurs="0" maxOccurs="1" type="xsd:string"/>
+        <xsd:element name="revision" minOccurs="0" maxOccurs="1" type="xsd:string">
+          <xsd:annotation>
+            <xsd:documentation>
+                        This value indicates the number of saves or revisions. The application is responsible for updating this value after each revision.
+                    </xsd:documentation>
+          </xsd:annotation>
+        </xsd:element>
+        <xsd:element name="lastModifiedBy" minOccurs="0" maxOccurs="1" type="xsd:string"/>
+        <xsd:element ref="dcterms:modified" minOccurs="0" maxOccurs="1"/>
+        <xsd:element name="contentStatus" minOccurs="0" maxOccurs="1" type="xsd:string"/>
+      </xsd:all>
+    </xsd:complexType>
+  </xsd:schema>
+  <xs:schema xmlns:pc="http://schemas.microsoft.com/office/infopath/2007/PartnerControls" xmlns:xs="http://www.w3.org/2001/XMLSchema" targetNamespace="http://schemas.microsoft.com/office/infopath/2007/PartnerControls" elementFormDefault="qualified" attributeFormDefault="unqualified">
+    <xs:element name="Person">
+      <xs:complexType>
+        <xs:sequence>
+          <xs:element ref="pc:DisplayName" minOccurs="0"/>
+          <xs:element ref="pc:AccountId" minOccurs="0"/>
+          <xs:element ref="pc:AccountType" minOccurs="0"/>
+        </xs:sequence>
+      </xs:complexType>
+    </xs:element>
+    <xs:element name="DisplayName" type="xs:string"/>
+    <xs:element name="AccountId" type="xs:string"/>
+    <xs:element name="AccountType" type="xs:string"/>
+    <xs:element name="BDCAssociatedEntity">
+      <xs:complexType>
+        <xs:sequence>
+          <xs:element ref="pc:BDCEntity" minOccurs="0" maxOccurs="unbounded"/>
+        </xs:sequence>
+        <xs:attribute ref="pc:EntityNamespace"/>
+        <xs:attribute ref="pc:EntityName"/>
+        <xs:attribute ref="pc:SystemInstanceName"/>
+        <xs:attribute ref="pc:AssociationName"/>
+      </xs:complexType>
+    </xs:element>
+    <xs:attribute name="EntityNamespace" type="xs:string"/>
+    <xs:attribute name="EntityName" type="xs:string"/>
+    <xs:attribute name="SystemInstanceName" type="xs:string"/>
+    <xs:attribute name="AssociationName" type="xs:string"/>
+    <xs:element name="BDCEntity">
+      <xs:complexType>
+        <xs:sequence>
+          <xs:element ref="pc:EntityDisplayName" minOccurs="0"/>
+          <xs:element ref="pc:EntityInstanceReference" minOccurs="0"/>
+          <xs:element ref="pc:EntityId1" minOccurs="0"/>
+          <xs:element ref="pc:EntityId2" minOccurs="0"/>
+          <xs:element ref="pc:EntityId3" minOccurs="0"/>
+          <xs:element ref="pc:EntityId4" minOccurs="0"/>
+          <xs:element ref="pc:EntityId5" minOccurs="0"/>
+        </xs:sequence>
+      </xs:complexType>
+    </xs:element>
+    <xs:element name="EntityDisplayName" type="xs:string"/>
+    <xs:element name="EntityInstanceReference" type="xs:string"/>
+    <xs:element name="EntityId1" type="xs:string"/>
+    <xs:element name="EntityId2" type="xs:string"/>
+    <xs:element name="EntityId3" type="xs:string"/>
+    <xs:element name="EntityId4" type="xs:string"/>
+    <xs:element name="EntityId5" type="xs:string"/>
+    <xs:element name="Terms">
+      <xs:complexType>
+        <xs:sequence>
+          <xs:element ref="pc:TermInfo" minOccurs="0" maxOccurs="unbounded"/>
+        </xs:sequence>
+      </xs:complexType>
+    </xs:element>
+    <xs:element name="TermInfo">
+      <xs:complexType>
+        <xs:sequence>
+          <xs:element ref="pc:TermName" minOccurs="0"/>
+          <xs:element ref="pc:TermId" minOccurs="0"/>
+        </xs:sequence>
+      </xs:complexType>
+    </xs:element>
+    <xs:element name="TermName" type="xs:string"/>
+    <xs:element name="TermId" type="xs:string"/>
+  </xs:schema>
+</ct:contentTypeSchema>
+</file>
+
+<file path=customXml/item3.xml><?xml version="1.0" encoding="utf-8"?>
+<?mso-contentType ?>
+<FormTemplates xmlns="http://schemas.microsoft.com/sharepoint/v3/contenttype/forms">
+  <Display>DocumentLibraryForm</Display>
+  <Edit>DocumentLibraryForm</Edit>
+  <New>DocumentLibraryForm</New>
+</FormTemplates>
+</file>
+
+<file path=customXml/itemProps1.xml><?xml version="1.0" encoding="utf-8"?>
+<ds:datastoreItem xmlns:ds="http://schemas.openxmlformats.org/officeDocument/2006/customXml" ds:itemID="{C73205BE-4669-4DBD-BF41-CFF855E66738}">
+  <ds:schemaRefs>
+    <ds:schemaRef ds:uri="http://schemas.microsoft.com/office/infopath/2007/PartnerControls"/>
+    <ds:schemaRef ds:uri="http://www.w3.org/XML/1998/namespace"/>
+    <ds:schemaRef ds:uri="http://schemas.microsoft.com/office/2006/documentManagement/types"/>
+    <ds:schemaRef ds:uri="http://purl.org/dc/elements/1.1/"/>
+    <ds:schemaRef ds:uri="http://purl.org/dc/dcmitype/"/>
+    <ds:schemaRef ds:uri="http://purl.org/dc/terms/"/>
+    <ds:schemaRef ds:uri="http://schemas.openxmlformats.org/package/2006/metadata/core-properties"/>
+    <ds:schemaRef ds:uri="e064323b-8959-406a-a3e9-bb6e93638192"/>
+    <ds:schemaRef ds:uri="f659a008-7c21-4ee3-a745-e38581e13101"/>
+    <ds:schemaRef ds:uri="http://schemas.microsoft.com/office/2006/metadata/properties"/>
+  </ds:schemaRefs>
+</ds:datastoreItem>
+</file>
+
+<file path=customXml/itemProps2.xml><?xml version="1.0" encoding="utf-8"?>
+<ds:datastoreItem xmlns:ds="http://schemas.openxmlformats.org/officeDocument/2006/customXml" ds:itemID="{73F803D8-DCD2-439F-B2B9-D122825BBA47}">
+  <ds:schemaRefs>
+    <ds:schemaRef ds:uri="http://schemas.microsoft.com/office/2006/metadata/contentType"/>
+    <ds:schemaRef ds:uri="http://schemas.microsoft.com/office/2006/metadata/properties/metaAttributes"/>
+    <ds:schemaRef ds:uri="http://www.w3.org/2001/XMLSchema"/>
+    <ds:schemaRef ds:uri="http://schemas.microsoft.com/office/2006/metadata/properties"/>
+    <ds:schemaRef ds:uri="f659a008-7c21-4ee3-a745-e38581e13101"/>
+    <ds:schemaRef ds:uri="e064323b-8959-406a-a3e9-bb6e93638192"/>
+    <ds:schemaRef ds:uri="http://schemas.microsoft.com/office/2006/documentManagement/types"/>
+    <ds:schemaRef ds:uri="http://schemas.microsoft.com/office/infopath/2007/PartnerControls"/>
+    <ds:schemaRef ds:uri="http://schemas.openxmlformats.org/package/2006/metadata/core-properties"/>
+    <ds:schemaRef ds:uri="http://purl.org/dc/elements/1.1/"/>
+    <ds:schemaRef ds:uri="http://purl.org/dc/terms/"/>
+    <ds:schemaRef ds:uri="http://schemas.microsoft.com/internal/obd"/>
+  </ds:schemaRefs>
+</ds:datastoreItem>
+</file>
+
+<file path=customXml/itemProps3.xml><?xml version="1.0" encoding="utf-8"?>
+<ds:datastoreItem xmlns:ds="http://schemas.openxmlformats.org/officeDocument/2006/customXml" ds:itemID="{0E050818-9E00-44C7-ADA1-EFA4D28596B8}">
+  <ds:schemaRefs>
+    <ds:schemaRef ds:uri="http://schemas.microsoft.com/sharepoint/v3/contenttype/forms"/>
+  </ds:schemaRefs>
+</ds:datastoreItem>
 </file>